--- a/Assignments/Investment_Analysis_Assignment/INVEST.pptx
+++ b/Assignments/Investment_Analysis_Assignment/INVEST.pptx
@@ -4404,8 +4404,12 @@
         <a:lstStyle/>
         <a:p>
           <a:r>
+            <a:rPr lang="en-US" b="1" dirty="0"/>
+            <a:t>Venture type </a:t>
+          </a:r>
+          <a:r>
             <a:rPr lang="en-US" dirty="0"/>
-            <a:t>Venture type funding is the most suitable Funding type for the company.</a:t>
+            <a:t>funding is the most suitable Funding type for the company.</a:t>
           </a:r>
         </a:p>
       </dgm:t>
@@ -4441,7 +4445,7 @@
         <a:p>
           <a:r>
             <a:rPr lang="en-US" dirty="0"/>
-            <a:t>The Top 3 English Speaking Countries for Investment along with their Top Sectors are:</a:t>
+            <a:t>The Top 3 English Speaking Countries recommended for Investment along with their Top Sectors  and Companies are:</a:t>
           </a:r>
         </a:p>
       </dgm:t>
@@ -4909,13 +4913,17 @@
       </dgm:t>
     </dgm:pt>
     <dgm:pt modelId="{A9F4ECEB-4674-475D-9C17-A031B7B19DF8}">
-      <dgm:prSet phldrT="[Text]"/>
+      <dgm:prSet phldrT="[Text]" custT="1"/>
       <dgm:spPr/>
       <dgm:t>
         <a:bodyPr/>
         <a:lstStyle/>
         <a:p>
-          <a:endParaRPr lang="en-US" dirty="0"/>
+          <a:r>
+            <a:rPr lang="en-US" sz="1050" b="1" i="0" dirty="0" err="1"/>
+            <a:t>virtustream</a:t>
+          </a:r>
+          <a:endParaRPr lang="en-US" sz="1050" dirty="0"/>
         </a:p>
       </dgm:t>
     </dgm:pt>
@@ -4931,6 +4939,396 @@
       </dgm:t>
     </dgm:pt>
     <dgm:pt modelId="{B7E097AC-905A-405D-B75B-7AC3A2820BC5}" type="sibTrans" cxnId="{94AFACE7-47C1-4127-A476-2269CF774A56}">
+      <dgm:prSet/>
+      <dgm:spPr/>
+      <dgm:t>
+        <a:bodyPr/>
+        <a:lstStyle/>
+        <a:p>
+          <a:endParaRPr lang="en-US"/>
+        </a:p>
+      </dgm:t>
+    </dgm:pt>
+    <dgm:pt modelId="{874BA5A4-7828-435E-86C3-C8ECD07BF722}">
+      <dgm:prSet phldrT="[Text]" custT="1"/>
+      <dgm:spPr/>
+      <dgm:t>
+        <a:bodyPr/>
+        <a:lstStyle/>
+        <a:p>
+          <a:r>
+            <a:rPr lang="en-US" sz="1050" b="1" i="0" dirty="0" err="1"/>
+            <a:t>sst</a:t>
+          </a:r>
+          <a:r>
+            <a:rPr lang="en-US" sz="1050" b="1" i="0" dirty="0"/>
+            <a:t> </a:t>
+          </a:r>
+          <a:r>
+            <a:rPr lang="en-US" sz="1050" b="1" i="0" dirty="0" err="1"/>
+            <a:t>inc.</a:t>
+          </a:r>
+          <a:r>
+            <a:rPr lang="en-US" sz="1050" b="1" i="0" dirty="0"/>
+            <a:t> (formerly </a:t>
+          </a:r>
+          <a:r>
+            <a:rPr lang="en-US" sz="1050" b="1" i="0" dirty="0" err="1"/>
+            <a:t>shotspotter</a:t>
+          </a:r>
+          <a:r>
+            <a:rPr lang="en-US" sz="1050" b="1" i="0" dirty="0"/>
+            <a:t>)</a:t>
+          </a:r>
+          <a:endParaRPr lang="en-US" sz="1050" dirty="0"/>
+        </a:p>
+      </dgm:t>
+    </dgm:pt>
+    <dgm:pt modelId="{D47A18E6-F821-47FE-A9C7-2A5B95F48EE0}" type="parTrans" cxnId="{21AB5E22-347B-4979-BD62-DDBA9003256F}">
+      <dgm:prSet/>
+      <dgm:spPr/>
+      <dgm:t>
+        <a:bodyPr/>
+        <a:lstStyle/>
+        <a:p>
+          <a:endParaRPr lang="en-US"/>
+        </a:p>
+      </dgm:t>
+    </dgm:pt>
+    <dgm:pt modelId="{495514B4-8A74-4BFB-B6B7-5874CCADE758}" type="sibTrans" cxnId="{21AB5E22-347B-4979-BD62-DDBA9003256F}">
+      <dgm:prSet/>
+      <dgm:spPr/>
+      <dgm:t>
+        <a:bodyPr/>
+        <a:lstStyle/>
+        <a:p>
+          <a:endParaRPr lang="en-US"/>
+        </a:p>
+      </dgm:t>
+    </dgm:pt>
+    <dgm:pt modelId="{FF9E66AA-40C2-4963-9BD4-D7C4741693CE}">
+      <dgm:prSet phldrT="[Text]" custT="1"/>
+      <dgm:spPr/>
+      <dgm:t>
+        <a:bodyPr/>
+        <a:lstStyle/>
+        <a:p>
+          <a:r>
+            <a:rPr lang="en-US" sz="1050" b="1" i="0" dirty="0" err="1"/>
+            <a:t>airspan</a:t>
+          </a:r>
+          <a:r>
+            <a:rPr lang="en-US" sz="1050" b="1" i="0" dirty="0"/>
+            <a:t> networks</a:t>
+          </a:r>
+          <a:endParaRPr lang="en-US" sz="1050" b="1" dirty="0"/>
+        </a:p>
+      </dgm:t>
+    </dgm:pt>
+    <dgm:pt modelId="{27742EEF-E134-434D-8A22-8CCC9774E7FE}" type="parTrans" cxnId="{5A45C0FD-022F-4412-9D81-7D01370547FE}">
+      <dgm:prSet/>
+      <dgm:spPr/>
+      <dgm:t>
+        <a:bodyPr/>
+        <a:lstStyle/>
+        <a:p>
+          <a:endParaRPr lang="en-US"/>
+        </a:p>
+      </dgm:t>
+    </dgm:pt>
+    <dgm:pt modelId="{7E3D13D1-E69D-4557-AD88-34D36E1A69D0}" type="sibTrans" cxnId="{5A45C0FD-022F-4412-9D81-7D01370547FE}">
+      <dgm:prSet/>
+      <dgm:spPr/>
+      <dgm:t>
+        <a:bodyPr/>
+        <a:lstStyle/>
+        <a:p>
+          <a:endParaRPr lang="en-US"/>
+        </a:p>
+      </dgm:t>
+    </dgm:pt>
+    <dgm:pt modelId="{F4360B35-15CE-4015-A588-28AB13FEE7DE}">
+      <dgm:prSet phldrT="[Text]" custT="1"/>
+      <dgm:spPr/>
+      <dgm:t>
+        <a:bodyPr/>
+        <a:lstStyle/>
+        <a:p>
+          <a:pPr marL="0" lvl="0" indent="0" algn="l" defTabSz="466725">
+            <a:lnSpc>
+              <a:spcPct val="90000"/>
+            </a:lnSpc>
+            <a:spcBef>
+              <a:spcPct val="0"/>
+            </a:spcBef>
+            <a:spcAft>
+              <a:spcPct val="35000"/>
+            </a:spcAft>
+            <a:buNone/>
+          </a:pPr>
+          <a:r>
+            <a:rPr lang="en-US" sz="1050" b="1" i="0" kern="1200" dirty="0">
+              <a:solidFill>
+                <a:prstClr val="black">
+                  <a:hueOff val="0"/>
+                  <a:satOff val="0"/>
+                  <a:lumOff val="0"/>
+                  <a:alphaOff val="0"/>
+                </a:prstClr>
+              </a:solidFill>
+              <a:latin typeface="Calibri" panose="020F0502020204030204"/>
+              <a:ea typeface="+mn-ea"/>
+              <a:cs typeface="+mn-cs"/>
+            </a:rPr>
+            <a:t>electric cloud</a:t>
+          </a:r>
+        </a:p>
+      </dgm:t>
+    </dgm:pt>
+    <dgm:pt modelId="{8876A898-03F9-4CD8-8DF6-9C8CB8979EF3}" type="parTrans" cxnId="{891680A5-1A5C-439F-BDC8-5EE9C2A314A4}">
+      <dgm:prSet/>
+      <dgm:spPr/>
+      <dgm:t>
+        <a:bodyPr/>
+        <a:lstStyle/>
+        <a:p>
+          <a:endParaRPr lang="en-US"/>
+        </a:p>
+      </dgm:t>
+    </dgm:pt>
+    <dgm:pt modelId="{0C8FDCBA-14DD-4138-9ECF-56E0A7386A4B}" type="sibTrans" cxnId="{891680A5-1A5C-439F-BDC8-5EE9C2A314A4}">
+      <dgm:prSet/>
+      <dgm:spPr/>
+      <dgm:t>
+        <a:bodyPr/>
+        <a:lstStyle/>
+        <a:p>
+          <a:endParaRPr lang="en-US"/>
+        </a:p>
+      </dgm:t>
+    </dgm:pt>
+    <dgm:pt modelId="{CA4C96F7-6826-4D78-B296-C886986C5DEB}">
+      <dgm:prSet phldrT="[Text]" custT="1"/>
+      <dgm:spPr/>
+      <dgm:t>
+        <a:bodyPr/>
+        <a:lstStyle/>
+        <a:p>
+          <a:pPr marL="0" lvl="0" indent="0" algn="l" defTabSz="466725">
+            <a:lnSpc>
+              <a:spcPct val="90000"/>
+            </a:lnSpc>
+            <a:spcBef>
+              <a:spcPct val="0"/>
+            </a:spcBef>
+            <a:spcAft>
+              <a:spcPct val="35000"/>
+            </a:spcAft>
+            <a:buNone/>
+          </a:pPr>
+          <a:r>
+            <a:rPr lang="en-US" sz="1050" b="1" i="0" kern="1200" dirty="0" err="1">
+              <a:solidFill>
+                <a:prstClr val="black">
+                  <a:hueOff val="0"/>
+                  <a:satOff val="0"/>
+                  <a:lumOff val="0"/>
+                  <a:alphaOff val="0"/>
+                </a:prstClr>
+              </a:solidFill>
+              <a:latin typeface="Calibri" panose="020F0502020204030204"/>
+              <a:ea typeface="+mn-ea"/>
+              <a:cs typeface="+mn-cs"/>
+            </a:rPr>
+            <a:t>celltick</a:t>
+          </a:r>
+          <a:r>
+            <a:rPr lang="en-US" sz="1050" b="1" i="0" kern="1200" dirty="0">
+              <a:solidFill>
+                <a:prstClr val="black">
+                  <a:hueOff val="0"/>
+                  <a:satOff val="0"/>
+                  <a:lumOff val="0"/>
+                  <a:alphaOff val="0"/>
+                </a:prstClr>
+              </a:solidFill>
+              <a:latin typeface="Calibri" panose="020F0502020204030204"/>
+              <a:ea typeface="+mn-ea"/>
+              <a:cs typeface="+mn-cs"/>
+            </a:rPr>
+            <a:t> technologies</a:t>
+          </a:r>
+        </a:p>
+      </dgm:t>
+    </dgm:pt>
+    <dgm:pt modelId="{C9C8249F-F44E-4A73-9297-89AA648F3E2E}" type="parTrans" cxnId="{3BF7E8FB-FF0C-4CC5-A488-97178FD3628B}">
+      <dgm:prSet/>
+      <dgm:spPr/>
+      <dgm:t>
+        <a:bodyPr/>
+        <a:lstStyle/>
+        <a:p>
+          <a:endParaRPr lang="en-US"/>
+        </a:p>
+      </dgm:t>
+    </dgm:pt>
+    <dgm:pt modelId="{815447B7-FFE4-4A13-9BEA-2DDE0726B17D}" type="sibTrans" cxnId="{3BF7E8FB-FF0C-4CC5-A488-97178FD3628B}">
+      <dgm:prSet/>
+      <dgm:spPr/>
+      <dgm:t>
+        <a:bodyPr/>
+        <a:lstStyle/>
+        <a:p>
+          <a:endParaRPr lang="en-US"/>
+        </a:p>
+      </dgm:t>
+    </dgm:pt>
+    <dgm:pt modelId="{385CADFE-4B31-4880-AC05-611FE402E9FE}">
+      <dgm:prSet phldrT="[Text]" custT="1"/>
+      <dgm:spPr/>
+      <dgm:t>
+        <a:bodyPr/>
+        <a:lstStyle/>
+        <a:p>
+          <a:r>
+            <a:rPr lang="en-US" sz="1050" b="1" i="0" dirty="0" err="1"/>
+            <a:t>eusa</a:t>
+          </a:r>
+          <a:r>
+            <a:rPr lang="en-US" sz="1050" b="1" i="0" dirty="0"/>
+            <a:t> pharma</a:t>
+          </a:r>
+          <a:endParaRPr lang="en-US" sz="1050" dirty="0"/>
+        </a:p>
+      </dgm:t>
+    </dgm:pt>
+    <dgm:pt modelId="{1B08C6F6-FA41-47FA-A998-7302BAF109BD}" type="parTrans" cxnId="{D798BAC9-DF1B-4C3C-8009-E965F6EF0077}">
+      <dgm:prSet/>
+      <dgm:spPr/>
+      <dgm:t>
+        <a:bodyPr/>
+        <a:lstStyle/>
+        <a:p>
+          <a:endParaRPr lang="en-US"/>
+        </a:p>
+      </dgm:t>
+    </dgm:pt>
+    <dgm:pt modelId="{CBFCEF8F-485C-429F-B34B-BDA8916FA788}" type="sibTrans" cxnId="{D798BAC9-DF1B-4C3C-8009-E965F6EF0077}">
+      <dgm:prSet/>
+      <dgm:spPr/>
+      <dgm:t>
+        <a:bodyPr/>
+        <a:lstStyle/>
+        <a:p>
+          <a:endParaRPr lang="en-US"/>
+        </a:p>
+      </dgm:t>
+    </dgm:pt>
+    <dgm:pt modelId="{E3B85F51-DD24-4644-8039-620A44F5235C}">
+      <dgm:prSet phldrT="[Text]" custT="1"/>
+      <dgm:spPr/>
+      <dgm:t>
+        <a:bodyPr/>
+        <a:lstStyle/>
+        <a:p>
+          <a:r>
+            <a:rPr lang="en-US" sz="1050" b="1" i="0" dirty="0"/>
+            <a:t>firstcry.com</a:t>
+          </a:r>
+          <a:endParaRPr lang="en-US" sz="1050" dirty="0"/>
+        </a:p>
+      </dgm:t>
+    </dgm:pt>
+    <dgm:pt modelId="{17745C5C-1739-4F54-A253-656EB9C05CEB}" type="parTrans" cxnId="{B4A11408-010C-4AF3-BFAB-556BFA91936E}">
+      <dgm:prSet/>
+      <dgm:spPr/>
+      <dgm:t>
+        <a:bodyPr/>
+        <a:lstStyle/>
+        <a:p>
+          <a:endParaRPr lang="en-US"/>
+        </a:p>
+      </dgm:t>
+    </dgm:pt>
+    <dgm:pt modelId="{8BC384D2-2A7F-4599-A75F-6C0AAB2C474B}" type="sibTrans" cxnId="{B4A11408-010C-4AF3-BFAB-556BFA91936E}">
+      <dgm:prSet/>
+      <dgm:spPr/>
+      <dgm:t>
+        <a:bodyPr/>
+        <a:lstStyle/>
+        <a:p>
+          <a:endParaRPr lang="en-US"/>
+        </a:p>
+      </dgm:t>
+    </dgm:pt>
+    <dgm:pt modelId="{6908D355-5C29-41A3-B368-4EAB2B5D64A1}">
+      <dgm:prSet phldrT="[Text]" custT="1"/>
+      <dgm:spPr/>
+      <dgm:t>
+        <a:bodyPr/>
+        <a:lstStyle/>
+        <a:p>
+          <a:r>
+            <a:rPr lang="en-US" sz="1050" b="1" i="0" dirty="0" err="1"/>
+            <a:t>manthan</a:t>
+          </a:r>
+          <a:r>
+            <a:rPr lang="en-US" sz="1050" b="1" i="0" dirty="0"/>
+            <a:t> systems</a:t>
+          </a:r>
+          <a:endParaRPr lang="en-US" sz="1050" b="1" dirty="0"/>
+        </a:p>
+      </dgm:t>
+    </dgm:pt>
+    <dgm:pt modelId="{4966FE4D-5511-4A88-AD26-A7FED6CBBE7C}" type="parTrans" cxnId="{753BCD01-BFEA-42F6-A67A-07524777F5EE}">
+      <dgm:prSet/>
+      <dgm:spPr/>
+      <dgm:t>
+        <a:bodyPr/>
+        <a:lstStyle/>
+        <a:p>
+          <a:endParaRPr lang="en-US"/>
+        </a:p>
+      </dgm:t>
+    </dgm:pt>
+    <dgm:pt modelId="{620E58C8-223B-47B3-8642-9AA12C223F4F}" type="sibTrans" cxnId="{753BCD01-BFEA-42F6-A67A-07524777F5EE}">
+      <dgm:prSet/>
+      <dgm:spPr/>
+      <dgm:t>
+        <a:bodyPr/>
+        <a:lstStyle/>
+        <a:p>
+          <a:endParaRPr lang="en-US"/>
+        </a:p>
+      </dgm:t>
+    </dgm:pt>
+    <dgm:pt modelId="{201315D0-AC31-4295-841C-30C76ACDD1CE}">
+      <dgm:prSet phldrT="[Text]" custT="1"/>
+      <dgm:spPr/>
+      <dgm:t>
+        <a:bodyPr/>
+        <a:lstStyle/>
+        <a:p>
+          <a:r>
+            <a:rPr lang="en-US" sz="1050" b="1" dirty="0" err="1"/>
+            <a:t>gupshup</a:t>
+          </a:r>
+          <a:endParaRPr lang="en-US" sz="1050" b="1" dirty="0"/>
+        </a:p>
+      </dgm:t>
+    </dgm:pt>
+    <dgm:pt modelId="{0BA02017-855D-4D29-8D36-A5CE9656F2AE}" type="parTrans" cxnId="{9651DAF8-699C-419E-8637-149476CA953D}">
+      <dgm:prSet/>
+      <dgm:spPr/>
+      <dgm:t>
+        <a:bodyPr/>
+        <a:lstStyle/>
+        <a:p>
+          <a:endParaRPr lang="en-US"/>
+        </a:p>
+      </dgm:t>
+    </dgm:pt>
+    <dgm:pt modelId="{388FFA79-B46D-4855-B462-C3365ABEEF39}" type="sibTrans" cxnId="{9651DAF8-699C-419E-8637-149476CA953D}">
       <dgm:prSet/>
       <dgm:spPr/>
       <dgm:t>
@@ -4960,7 +5358,7 @@
       <dgm:spPr/>
     </dgm:pt>
     <dgm:pt modelId="{AECBCDB1-D1A2-4A6F-B077-E78653B70D61}" type="pres">
-      <dgm:prSet presAssocID="{38962AE7-79AF-4F3A-8985-5DCBE4E733F1}" presName="tx1" presStyleLbl="revTx" presStyleIdx="0" presStyleCnt="15" custScaleX="382011" custScaleY="44934"/>
+      <dgm:prSet presAssocID="{38962AE7-79AF-4F3A-8985-5DCBE4E733F1}" presName="tx1" presStyleLbl="revTx" presStyleIdx="0" presStyleCnt="23" custScaleX="382011" custScaleY="44934"/>
       <dgm:spPr/>
     </dgm:pt>
     <dgm:pt modelId="{6A2B405F-0C0E-4687-845B-4722B9D5BA3B}" type="pres">
@@ -4976,7 +5374,7 @@
       <dgm:spPr/>
     </dgm:pt>
     <dgm:pt modelId="{4033D5D3-D3F2-440B-ABBE-58C6A20C89FA}" type="pres">
-      <dgm:prSet presAssocID="{57930F2F-5376-4D22-AF32-76684D0552C9}" presName="tx1" presStyleLbl="revTx" presStyleIdx="1" presStyleCnt="15"/>
+      <dgm:prSet presAssocID="{57930F2F-5376-4D22-AF32-76684D0552C9}" presName="tx1" presStyleLbl="revTx" presStyleIdx="1" presStyleCnt="23"/>
       <dgm:spPr/>
     </dgm:pt>
     <dgm:pt modelId="{06E18BB7-388B-4B10-80B6-F085CA619DFE}" type="pres">
@@ -4996,7 +5394,7 @@
       <dgm:spPr/>
     </dgm:pt>
     <dgm:pt modelId="{2BFB351F-6C4C-4B20-98A1-A30474553719}" type="pres">
-      <dgm:prSet presAssocID="{9E479AEC-E92A-40E2-9189-6A9A9BFFECCF}" presName="tx2" presStyleLbl="revTx" presStyleIdx="2" presStyleCnt="15"/>
+      <dgm:prSet presAssocID="{9E479AEC-E92A-40E2-9189-6A9A9BFFECCF}" presName="tx2" presStyleLbl="revTx" presStyleIdx="2" presStyleCnt="23"/>
       <dgm:spPr/>
     </dgm:pt>
     <dgm:pt modelId="{13F28FAD-E357-42C3-8690-00873DEA03B7}" type="pres">
@@ -5012,7 +5410,7 @@
       <dgm:spPr/>
     </dgm:pt>
     <dgm:pt modelId="{E9F279EE-D5E9-4FD7-AF06-823CE640FC1D}" type="pres">
-      <dgm:prSet presAssocID="{CDC96BC5-5380-4AF0-94F9-7ADB9F371601}" presName="tx3" presStyleLbl="revTx" presStyleIdx="3" presStyleCnt="15"/>
+      <dgm:prSet presAssocID="{CDC96BC5-5380-4AF0-94F9-7ADB9F371601}" presName="tx3" presStyleLbl="revTx" presStyleIdx="3" presStyleCnt="23"/>
       <dgm:spPr/>
     </dgm:pt>
     <dgm:pt modelId="{3ACF7A18-783F-414D-AE60-B03F86DBFE75}" type="pres">
@@ -5028,7 +5426,7 @@
       <dgm:spPr/>
     </dgm:pt>
     <dgm:pt modelId="{A5F89D22-FDA4-43FF-AFC4-85EFC2119409}" type="pres">
-      <dgm:prSet presAssocID="{A9F4ECEB-4674-475D-9C17-A031B7B19DF8}" presName="tx4" presStyleLbl="revTx" presStyleIdx="4" presStyleCnt="15">
+      <dgm:prSet presAssocID="{A9F4ECEB-4674-475D-9C17-A031B7B19DF8}" presName="tx4" presStyleLbl="revTx" presStyleIdx="4" presStyleCnt="23">
         <dgm:presLayoutVars>
           <dgm:bulletEnabled val="1"/>
         </dgm:presLayoutVars>
@@ -5048,13 +5446,29 @@
       <dgm:spPr/>
     </dgm:pt>
     <dgm:pt modelId="{C05B8D0C-0BC3-455B-8538-F0014936D4A7}" type="pres">
-      <dgm:prSet presAssocID="{8B889A5A-63EC-4D28-8902-759434C931FD}" presName="tx3" presStyleLbl="revTx" presStyleIdx="5" presStyleCnt="15"/>
+      <dgm:prSet presAssocID="{8B889A5A-63EC-4D28-8902-759434C931FD}" presName="tx3" presStyleLbl="revTx" presStyleIdx="5" presStyleCnt="23"/>
       <dgm:spPr/>
     </dgm:pt>
     <dgm:pt modelId="{B470D55C-A837-4017-B4B1-8C07DCA2D9DE}" type="pres">
       <dgm:prSet presAssocID="{8B889A5A-63EC-4D28-8902-759434C931FD}" presName="vert3" presStyleCnt="0"/>
       <dgm:spPr/>
     </dgm:pt>
+    <dgm:pt modelId="{F8B0DD6C-CE1D-4E97-9E7E-3D9808C48892}" type="pres">
+      <dgm:prSet presAssocID="{874BA5A4-7828-435E-86C3-C8ECD07BF722}" presName="horz4" presStyleCnt="0"/>
+      <dgm:spPr/>
+    </dgm:pt>
+    <dgm:pt modelId="{E09544A6-E26B-4192-84E1-D19A00330E1F}" type="pres">
+      <dgm:prSet presAssocID="{874BA5A4-7828-435E-86C3-C8ECD07BF722}" presName="horzSpace4" presStyleCnt="0"/>
+      <dgm:spPr/>
+    </dgm:pt>
+    <dgm:pt modelId="{F081ACE4-1ED0-46D1-90C6-5709447388BA}" type="pres">
+      <dgm:prSet presAssocID="{874BA5A4-7828-435E-86C3-C8ECD07BF722}" presName="tx4" presStyleLbl="revTx" presStyleIdx="6" presStyleCnt="23">
+        <dgm:presLayoutVars>
+          <dgm:bulletEnabled val="1"/>
+        </dgm:presLayoutVars>
+      </dgm:prSet>
+      <dgm:spPr/>
+    </dgm:pt>
     <dgm:pt modelId="{C6A1D7B1-8F6B-4666-A63B-EE284E7CA5CA}" type="pres">
       <dgm:prSet presAssocID="{AC4028E9-1B2A-4E21-B4CF-E8CFB038BB54}" presName="thinLine3" presStyleLbl="callout" presStyleIdx="1" presStyleCnt="9"/>
       <dgm:spPr/>
@@ -5068,13 +5482,29 @@
       <dgm:spPr/>
     </dgm:pt>
     <dgm:pt modelId="{AB6E250B-7EF9-4371-B031-14CA7491E51D}" type="pres">
-      <dgm:prSet presAssocID="{893F254B-E2FF-406B-91EE-926CD28F8227}" presName="tx3" presStyleLbl="revTx" presStyleIdx="6" presStyleCnt="15"/>
+      <dgm:prSet presAssocID="{893F254B-E2FF-406B-91EE-926CD28F8227}" presName="tx3" presStyleLbl="revTx" presStyleIdx="7" presStyleCnt="23"/>
       <dgm:spPr/>
     </dgm:pt>
     <dgm:pt modelId="{40291B64-4B63-4D7A-8E4D-30F31C83C755}" type="pres">
       <dgm:prSet presAssocID="{893F254B-E2FF-406B-91EE-926CD28F8227}" presName="vert3" presStyleCnt="0"/>
       <dgm:spPr/>
     </dgm:pt>
+    <dgm:pt modelId="{0B4A4680-134E-4359-BCD0-2C1B92FC450A}" type="pres">
+      <dgm:prSet presAssocID="{FF9E66AA-40C2-4963-9BD4-D7C4741693CE}" presName="horz4" presStyleCnt="0"/>
+      <dgm:spPr/>
+    </dgm:pt>
+    <dgm:pt modelId="{83340BA3-3BB1-4695-B4C0-D7F5403CCA51}" type="pres">
+      <dgm:prSet presAssocID="{FF9E66AA-40C2-4963-9BD4-D7C4741693CE}" presName="horzSpace4" presStyleCnt="0"/>
+      <dgm:spPr/>
+    </dgm:pt>
+    <dgm:pt modelId="{45A80A22-43E9-4AB7-AA03-3CDF2B0B7BD5}" type="pres">
+      <dgm:prSet presAssocID="{FF9E66AA-40C2-4963-9BD4-D7C4741693CE}" presName="tx4" presStyleLbl="revTx" presStyleIdx="8" presStyleCnt="23">
+        <dgm:presLayoutVars>
+          <dgm:bulletEnabled val="1"/>
+        </dgm:presLayoutVars>
+      </dgm:prSet>
+      <dgm:spPr/>
+    </dgm:pt>
     <dgm:pt modelId="{B96BF1B0-DFD8-416C-B6DB-09C06FB50B89}" type="pres">
       <dgm:prSet presAssocID="{9E479AEC-E92A-40E2-9189-6A9A9BFFECCF}" presName="thinLine2b" presStyleLbl="callout" presStyleIdx="2" presStyleCnt="9"/>
       <dgm:spPr/>
@@ -5092,7 +5522,7 @@
       <dgm:spPr/>
     </dgm:pt>
     <dgm:pt modelId="{AD4A233C-07B5-4E7F-9DEB-8D841405E6A6}" type="pres">
-      <dgm:prSet presAssocID="{A97AF203-9BAA-4048-A1D6-BEF35201E1D4}" presName="tx2" presStyleLbl="revTx" presStyleIdx="7" presStyleCnt="15"/>
+      <dgm:prSet presAssocID="{A97AF203-9BAA-4048-A1D6-BEF35201E1D4}" presName="tx2" presStyleLbl="revTx" presStyleIdx="9" presStyleCnt="23"/>
       <dgm:spPr/>
     </dgm:pt>
     <dgm:pt modelId="{490FB9D7-BDD3-479F-8921-DDFD7FA81411}" type="pres">
@@ -5108,13 +5538,29 @@
       <dgm:spPr/>
     </dgm:pt>
     <dgm:pt modelId="{83F727BA-8971-49F9-A539-D2D8F2C5DADD}" type="pres">
-      <dgm:prSet presAssocID="{A5B92957-D801-4DCE-B9B5-01270DE0C66A}" presName="tx3" presStyleLbl="revTx" presStyleIdx="8" presStyleCnt="15"/>
+      <dgm:prSet presAssocID="{A5B92957-D801-4DCE-B9B5-01270DE0C66A}" presName="tx3" presStyleLbl="revTx" presStyleIdx="10" presStyleCnt="23"/>
       <dgm:spPr/>
     </dgm:pt>
     <dgm:pt modelId="{76190BA2-C354-450C-9A42-159DF22E0000}" type="pres">
       <dgm:prSet presAssocID="{A5B92957-D801-4DCE-B9B5-01270DE0C66A}" presName="vert3" presStyleCnt="0"/>
       <dgm:spPr/>
     </dgm:pt>
+    <dgm:pt modelId="{69950C98-03CC-4788-89DD-B49298F0D6C7}" type="pres">
+      <dgm:prSet presAssocID="{F4360B35-15CE-4015-A588-28AB13FEE7DE}" presName="horz4" presStyleCnt="0"/>
+      <dgm:spPr/>
+    </dgm:pt>
+    <dgm:pt modelId="{B2D5EF4F-39B0-4BB7-B1B4-0D0098873611}" type="pres">
+      <dgm:prSet presAssocID="{F4360B35-15CE-4015-A588-28AB13FEE7DE}" presName="horzSpace4" presStyleCnt="0"/>
+      <dgm:spPr/>
+    </dgm:pt>
+    <dgm:pt modelId="{EE68CC83-86D5-45AB-914C-8D2D452712CC}" type="pres">
+      <dgm:prSet presAssocID="{F4360B35-15CE-4015-A588-28AB13FEE7DE}" presName="tx4" presStyleLbl="revTx" presStyleIdx="11" presStyleCnt="23">
+        <dgm:presLayoutVars>
+          <dgm:bulletEnabled val="1"/>
+        </dgm:presLayoutVars>
+      </dgm:prSet>
+      <dgm:spPr/>
+    </dgm:pt>
     <dgm:pt modelId="{5F76A1A7-9605-47B0-A11A-C03D3CCDE89E}" type="pres">
       <dgm:prSet presAssocID="{0E641223-9EAD-496D-8CD7-E40A0FD01FBB}" presName="thinLine3" presStyleLbl="callout" presStyleIdx="3" presStyleCnt="9"/>
       <dgm:spPr/>
@@ -5128,13 +5574,29 @@
       <dgm:spPr/>
     </dgm:pt>
     <dgm:pt modelId="{6214D28D-3D4F-4063-BCB6-38320D34B2DF}" type="pres">
-      <dgm:prSet presAssocID="{88E3831E-1504-4AB7-BCB9-54FD9C17FAEB}" presName="tx3" presStyleLbl="revTx" presStyleIdx="9" presStyleCnt="15"/>
+      <dgm:prSet presAssocID="{88E3831E-1504-4AB7-BCB9-54FD9C17FAEB}" presName="tx3" presStyleLbl="revTx" presStyleIdx="12" presStyleCnt="23"/>
       <dgm:spPr/>
     </dgm:pt>
     <dgm:pt modelId="{4B5BDCAB-64FB-4013-A784-D4316E0998BA}" type="pres">
       <dgm:prSet presAssocID="{88E3831E-1504-4AB7-BCB9-54FD9C17FAEB}" presName="vert3" presStyleCnt="0"/>
       <dgm:spPr/>
     </dgm:pt>
+    <dgm:pt modelId="{1F9E561B-0C58-4DE6-A550-3D41296DCDA4}" type="pres">
+      <dgm:prSet presAssocID="{CA4C96F7-6826-4D78-B296-C886986C5DEB}" presName="horz4" presStyleCnt="0"/>
+      <dgm:spPr/>
+    </dgm:pt>
+    <dgm:pt modelId="{3881F799-9C97-4846-921C-35166C41079B}" type="pres">
+      <dgm:prSet presAssocID="{CA4C96F7-6826-4D78-B296-C886986C5DEB}" presName="horzSpace4" presStyleCnt="0"/>
+      <dgm:spPr/>
+    </dgm:pt>
+    <dgm:pt modelId="{593C7A4B-235D-47C3-AFFA-9CBBFB8BAAFC}" type="pres">
+      <dgm:prSet presAssocID="{CA4C96F7-6826-4D78-B296-C886986C5DEB}" presName="tx4" presStyleLbl="revTx" presStyleIdx="13" presStyleCnt="23">
+        <dgm:presLayoutVars>
+          <dgm:bulletEnabled val="1"/>
+        </dgm:presLayoutVars>
+      </dgm:prSet>
+      <dgm:spPr/>
+    </dgm:pt>
     <dgm:pt modelId="{CE790027-9C65-438A-99F4-645A0CCF3BA3}" type="pres">
       <dgm:prSet presAssocID="{2E61EFE5-F8DB-4953-B7A5-6B6E8C7F5970}" presName="thinLine3" presStyleLbl="callout" presStyleIdx="4" presStyleCnt="9"/>
       <dgm:spPr/>
@@ -5148,13 +5610,29 @@
       <dgm:spPr/>
     </dgm:pt>
     <dgm:pt modelId="{6ADBCB8E-CD7E-49A5-A75B-36A9A5472B94}" type="pres">
-      <dgm:prSet presAssocID="{326643AC-AF85-4BA5-8670-223015D9FBE2}" presName="tx3" presStyleLbl="revTx" presStyleIdx="10" presStyleCnt="15"/>
+      <dgm:prSet presAssocID="{326643AC-AF85-4BA5-8670-223015D9FBE2}" presName="tx3" presStyleLbl="revTx" presStyleIdx="14" presStyleCnt="23"/>
       <dgm:spPr/>
     </dgm:pt>
     <dgm:pt modelId="{BD01B7E8-0451-4E9F-ABA7-80F5A5CB9A53}" type="pres">
       <dgm:prSet presAssocID="{326643AC-AF85-4BA5-8670-223015D9FBE2}" presName="vert3" presStyleCnt="0"/>
       <dgm:spPr/>
     </dgm:pt>
+    <dgm:pt modelId="{9FB47A10-D2EE-4048-822A-CEB66D6B757D}" type="pres">
+      <dgm:prSet presAssocID="{385CADFE-4B31-4880-AC05-611FE402E9FE}" presName="horz4" presStyleCnt="0"/>
+      <dgm:spPr/>
+    </dgm:pt>
+    <dgm:pt modelId="{F302F9CC-AC33-40D8-BABF-BB7BD4CB3BBF}" type="pres">
+      <dgm:prSet presAssocID="{385CADFE-4B31-4880-AC05-611FE402E9FE}" presName="horzSpace4" presStyleCnt="0"/>
+      <dgm:spPr/>
+    </dgm:pt>
+    <dgm:pt modelId="{330AD9D5-D2B5-4C02-94E6-79D82B8A97A1}" type="pres">
+      <dgm:prSet presAssocID="{385CADFE-4B31-4880-AC05-611FE402E9FE}" presName="tx4" presStyleLbl="revTx" presStyleIdx="15" presStyleCnt="23">
+        <dgm:presLayoutVars>
+          <dgm:bulletEnabled val="1"/>
+        </dgm:presLayoutVars>
+      </dgm:prSet>
+      <dgm:spPr/>
+    </dgm:pt>
     <dgm:pt modelId="{102684B5-A09A-4CF1-A486-28509B60641E}" type="pres">
       <dgm:prSet presAssocID="{A97AF203-9BAA-4048-A1D6-BEF35201E1D4}" presName="thinLine2b" presStyleLbl="callout" presStyleIdx="5" presStyleCnt="9"/>
       <dgm:spPr/>
@@ -5172,7 +5650,7 @@
       <dgm:spPr/>
     </dgm:pt>
     <dgm:pt modelId="{72F5AAA8-CF9E-46BB-A21A-806B40A73990}" type="pres">
-      <dgm:prSet presAssocID="{5D48BA06-4FD9-43BC-9D1A-E7F638A4E49F}" presName="tx2" presStyleLbl="revTx" presStyleIdx="11" presStyleCnt="15"/>
+      <dgm:prSet presAssocID="{5D48BA06-4FD9-43BC-9D1A-E7F638A4E49F}" presName="tx2" presStyleLbl="revTx" presStyleIdx="16" presStyleCnt="23"/>
       <dgm:spPr/>
     </dgm:pt>
     <dgm:pt modelId="{DEF1828D-6403-4FE6-9118-2AD5FAD46D65}" type="pres">
@@ -5188,13 +5666,29 @@
       <dgm:spPr/>
     </dgm:pt>
     <dgm:pt modelId="{43E72FB3-57EF-4139-9686-196F9FB00B47}" type="pres">
-      <dgm:prSet presAssocID="{8766C62E-D3CC-486A-A2AE-217306F12BE2}" presName="tx3" presStyleLbl="revTx" presStyleIdx="12" presStyleCnt="15"/>
+      <dgm:prSet presAssocID="{8766C62E-D3CC-486A-A2AE-217306F12BE2}" presName="tx3" presStyleLbl="revTx" presStyleIdx="17" presStyleCnt="23"/>
       <dgm:spPr/>
     </dgm:pt>
     <dgm:pt modelId="{11572409-F813-4069-9DE7-870FB4424379}" type="pres">
       <dgm:prSet presAssocID="{8766C62E-D3CC-486A-A2AE-217306F12BE2}" presName="vert3" presStyleCnt="0"/>
       <dgm:spPr/>
     </dgm:pt>
+    <dgm:pt modelId="{10AFD37A-963E-4DAA-9420-935FCF1A3273}" type="pres">
+      <dgm:prSet presAssocID="{E3B85F51-DD24-4644-8039-620A44F5235C}" presName="horz4" presStyleCnt="0"/>
+      <dgm:spPr/>
+    </dgm:pt>
+    <dgm:pt modelId="{BBC8FEB3-D219-428B-BBA1-3E8F2D7F22F1}" type="pres">
+      <dgm:prSet presAssocID="{E3B85F51-DD24-4644-8039-620A44F5235C}" presName="horzSpace4" presStyleCnt="0"/>
+      <dgm:spPr/>
+    </dgm:pt>
+    <dgm:pt modelId="{FAFE4D4B-93AF-4C7E-84F4-820CF474FD45}" type="pres">
+      <dgm:prSet presAssocID="{E3B85F51-DD24-4644-8039-620A44F5235C}" presName="tx4" presStyleLbl="revTx" presStyleIdx="18" presStyleCnt="23">
+        <dgm:presLayoutVars>
+          <dgm:bulletEnabled val="1"/>
+        </dgm:presLayoutVars>
+      </dgm:prSet>
+      <dgm:spPr/>
+    </dgm:pt>
     <dgm:pt modelId="{8198F011-D2C0-4E37-914F-900C5FC3C405}" type="pres">
       <dgm:prSet presAssocID="{F19DB9B3-E924-4235-AD3C-5E2567B527A8}" presName="thinLine3" presStyleLbl="callout" presStyleIdx="6" presStyleCnt="9"/>
       <dgm:spPr/>
@@ -5208,13 +5702,29 @@
       <dgm:spPr/>
     </dgm:pt>
     <dgm:pt modelId="{1BF689E9-5804-4B9C-B9AE-495DF1AB5CEB}" type="pres">
-      <dgm:prSet presAssocID="{36C12FC1-3C99-48A5-A96C-D46BCFD61D3D}" presName="tx3" presStyleLbl="revTx" presStyleIdx="13" presStyleCnt="15"/>
+      <dgm:prSet presAssocID="{36C12FC1-3C99-48A5-A96C-D46BCFD61D3D}" presName="tx3" presStyleLbl="revTx" presStyleIdx="19" presStyleCnt="23"/>
       <dgm:spPr/>
     </dgm:pt>
     <dgm:pt modelId="{50970479-BA95-45AD-A56B-AFE49E81C143}" type="pres">
       <dgm:prSet presAssocID="{36C12FC1-3C99-48A5-A96C-D46BCFD61D3D}" presName="vert3" presStyleCnt="0"/>
       <dgm:spPr/>
     </dgm:pt>
+    <dgm:pt modelId="{CF5A42E2-5784-4D90-9168-5E135E551DC1}" type="pres">
+      <dgm:prSet presAssocID="{6908D355-5C29-41A3-B368-4EAB2B5D64A1}" presName="horz4" presStyleCnt="0"/>
+      <dgm:spPr/>
+    </dgm:pt>
+    <dgm:pt modelId="{10265390-D35E-4A6D-988C-5C6F13747717}" type="pres">
+      <dgm:prSet presAssocID="{6908D355-5C29-41A3-B368-4EAB2B5D64A1}" presName="horzSpace4" presStyleCnt="0"/>
+      <dgm:spPr/>
+    </dgm:pt>
+    <dgm:pt modelId="{976A95F4-54E6-4669-8C60-DE5D4FE3B3E1}" type="pres">
+      <dgm:prSet presAssocID="{6908D355-5C29-41A3-B368-4EAB2B5D64A1}" presName="tx4" presStyleLbl="revTx" presStyleIdx="20" presStyleCnt="23">
+        <dgm:presLayoutVars>
+          <dgm:bulletEnabled val="1"/>
+        </dgm:presLayoutVars>
+      </dgm:prSet>
+      <dgm:spPr/>
+    </dgm:pt>
     <dgm:pt modelId="{4BDB3CC5-8724-44C3-A630-91C6DCDE03B6}" type="pres">
       <dgm:prSet presAssocID="{533EEBE4-9A9A-41D9-B106-70789689C58A}" presName="thinLine3" presStyleLbl="callout" presStyleIdx="7" presStyleCnt="9"/>
       <dgm:spPr/>
@@ -5228,11 +5738,27 @@
       <dgm:spPr/>
     </dgm:pt>
     <dgm:pt modelId="{06888EAD-C244-4B53-8329-F8DB59148510}" type="pres">
-      <dgm:prSet presAssocID="{5CF621E6-1486-434A-8BAA-BF784031DFE6}" presName="tx3" presStyleLbl="revTx" presStyleIdx="14" presStyleCnt="15"/>
+      <dgm:prSet presAssocID="{5CF621E6-1486-434A-8BAA-BF784031DFE6}" presName="tx3" presStyleLbl="revTx" presStyleIdx="21" presStyleCnt="23"/>
       <dgm:spPr/>
     </dgm:pt>
     <dgm:pt modelId="{0CA82E7F-B41C-4F02-9D97-C25AFB883B73}" type="pres">
       <dgm:prSet presAssocID="{5CF621E6-1486-434A-8BAA-BF784031DFE6}" presName="vert3" presStyleCnt="0"/>
+      <dgm:spPr/>
+    </dgm:pt>
+    <dgm:pt modelId="{A34E5E68-9590-4FF8-AF6E-38F67DFE9283}" type="pres">
+      <dgm:prSet presAssocID="{201315D0-AC31-4295-841C-30C76ACDD1CE}" presName="horz4" presStyleCnt="0"/>
+      <dgm:spPr/>
+    </dgm:pt>
+    <dgm:pt modelId="{9FD5E385-9229-46B2-8BC6-888238AF233D}" type="pres">
+      <dgm:prSet presAssocID="{201315D0-AC31-4295-841C-30C76ACDD1CE}" presName="horzSpace4" presStyleCnt="0"/>
+      <dgm:spPr/>
+    </dgm:pt>
+    <dgm:pt modelId="{0AE52FD6-7F46-46A1-89C6-3AF1A78ABB54}" type="pres">
+      <dgm:prSet presAssocID="{201315D0-AC31-4295-841C-30C76ACDD1CE}" presName="tx4" presStyleLbl="revTx" presStyleIdx="22" presStyleCnt="23">
+        <dgm:presLayoutVars>
+          <dgm:bulletEnabled val="1"/>
+        </dgm:presLayoutVars>
+      </dgm:prSet>
       <dgm:spPr/>
     </dgm:pt>
     <dgm:pt modelId="{27E6E512-074A-4689-AF9F-7CB5CC318EA2}" type="pres">
@@ -5246,14 +5772,21 @@
   </dgm:ptLst>
   <dgm:cxnLst>
     <dgm:cxn modelId="{31554C01-50E4-48CE-9B52-41ABD9674D9A}" type="presOf" srcId="{36C12FC1-3C99-48A5-A96C-D46BCFD61D3D}" destId="{1BF689E9-5804-4B9C-B9AE-495DF1AB5CEB}" srcOrd="0" destOrd="0" presId="urn:microsoft.com/office/officeart/2008/layout/LinedList"/>
+    <dgm:cxn modelId="{753BCD01-BFEA-42F6-A67A-07524777F5EE}" srcId="{36C12FC1-3C99-48A5-A96C-D46BCFD61D3D}" destId="{6908D355-5C29-41A3-B368-4EAB2B5D64A1}" srcOrd="0" destOrd="0" parTransId="{4966FE4D-5511-4A88-AD26-A7FED6CBBE7C}" sibTransId="{620E58C8-223B-47B3-8642-9AA12C223F4F}"/>
+    <dgm:cxn modelId="{D92F6802-86D2-4A78-82AB-15F5B9F08F80}" type="presOf" srcId="{FF9E66AA-40C2-4963-9BD4-D7C4741693CE}" destId="{45A80A22-43E9-4AB7-AA03-3CDF2B0B7BD5}" srcOrd="0" destOrd="0" presId="urn:microsoft.com/office/officeart/2008/layout/LinedList"/>
     <dgm:cxn modelId="{01FAAC02-BF4F-436B-BD8E-4983850D3D3E}" type="presOf" srcId="{A5B92957-D801-4DCE-B9B5-01270DE0C66A}" destId="{83F727BA-8971-49F9-A539-D2D8F2C5DADD}" srcOrd="0" destOrd="0" presId="urn:microsoft.com/office/officeart/2008/layout/LinedList"/>
     <dgm:cxn modelId="{67BC4A05-0706-4C1A-A50A-79C4FADECCBE}" type="presOf" srcId="{8766C62E-D3CC-486A-A2AE-217306F12BE2}" destId="{43E72FB3-57EF-4139-9686-196F9FB00B47}" srcOrd="0" destOrd="0" presId="urn:microsoft.com/office/officeart/2008/layout/LinedList"/>
+    <dgm:cxn modelId="{B4A11408-010C-4AF3-BFAB-556BFA91936E}" srcId="{8766C62E-D3CC-486A-A2AE-217306F12BE2}" destId="{E3B85F51-DD24-4644-8039-620A44F5235C}" srcOrd="0" destOrd="0" parTransId="{17745C5C-1739-4F54-A253-656EB9C05CEB}" sibTransId="{8BC384D2-2A7F-4599-A75F-6C0AAB2C474B}"/>
     <dgm:cxn modelId="{1B10261B-CBFD-4B64-9571-A66EB1518D94}" srcId="{8D772413-35B2-43F6-ADC7-1390FE8E2E09}" destId="{57930F2F-5376-4D22-AF32-76684D0552C9}" srcOrd="1" destOrd="0" parTransId="{39C0E83F-7330-4E81-A17C-B5549E76A539}" sibTransId="{E91BFA1D-BB81-4C64-9FA9-7A10D762C292}"/>
+    <dgm:cxn modelId="{21AB5E22-347B-4979-BD62-DDBA9003256F}" srcId="{8B889A5A-63EC-4D28-8902-759434C931FD}" destId="{874BA5A4-7828-435E-86C3-C8ECD07BF722}" srcOrd="0" destOrd="0" parTransId="{D47A18E6-F821-47FE-A9C7-2A5B95F48EE0}" sibTransId="{495514B4-8A74-4BFB-B6B7-5874CCADE758}"/>
     <dgm:cxn modelId="{AA3AEB23-10B7-468E-A2EF-8AB5F9A39F5C}" type="presOf" srcId="{57930F2F-5376-4D22-AF32-76684D0552C9}" destId="{4033D5D3-D3F2-440B-ABBE-58C6A20C89FA}" srcOrd="0" destOrd="0" presId="urn:microsoft.com/office/officeart/2008/layout/LinedList"/>
     <dgm:cxn modelId="{089F0E36-B61D-4EF2-8F48-608999CDAC56}" type="presOf" srcId="{5D48BA06-4FD9-43BC-9D1A-E7F638A4E49F}" destId="{72F5AAA8-CF9E-46BB-A21A-806B40A73990}" srcOrd="0" destOrd="0" presId="urn:microsoft.com/office/officeart/2008/layout/LinedList"/>
     <dgm:cxn modelId="{6A0F203B-C5AB-484F-AFF7-E96D67A20F8F}" srcId="{A97AF203-9BAA-4048-A1D6-BEF35201E1D4}" destId="{326643AC-AF85-4BA5-8670-223015D9FBE2}" srcOrd="2" destOrd="0" parTransId="{DA867225-A371-4D4D-A420-669DC1B8A9B9}" sibTransId="{E9E46C6B-B513-4F40-B9CA-644CEA2A0E91}"/>
     <dgm:cxn modelId="{AD15245B-DCB2-47FE-ADAE-806954D91750}" srcId="{8D772413-35B2-43F6-ADC7-1390FE8E2E09}" destId="{38962AE7-79AF-4F3A-8985-5DCBE4E733F1}" srcOrd="0" destOrd="0" parTransId="{ECA6C8BE-F809-422D-93A4-ACB62195C878}" sibTransId="{C54539F9-29FC-47C0-9EF5-C5FE0BE949F6}"/>
+    <dgm:cxn modelId="{6ECC9941-D862-49F6-926A-8A2721A5C993}" type="presOf" srcId="{6908D355-5C29-41A3-B368-4EAB2B5D64A1}" destId="{976A95F4-54E6-4669-8C60-DE5D4FE3B3E1}" srcOrd="0" destOrd="0" presId="urn:microsoft.com/office/officeart/2008/layout/LinedList"/>
     <dgm:cxn modelId="{422D8044-995F-4AA1-BEEB-0AF57A1DC66B}" type="presOf" srcId="{8B889A5A-63EC-4D28-8902-759434C931FD}" destId="{C05B8D0C-0BC3-455B-8538-F0014936D4A7}" srcOrd="0" destOrd="0" presId="urn:microsoft.com/office/officeart/2008/layout/LinedList"/>
+    <dgm:cxn modelId="{A98FE44B-7D70-44A1-A2FB-574B99AC830F}" type="presOf" srcId="{874BA5A4-7828-435E-86C3-C8ECD07BF722}" destId="{F081ACE4-1ED0-46D1-90C6-5709447388BA}" srcOrd="0" destOrd="0" presId="urn:microsoft.com/office/officeart/2008/layout/LinedList"/>
+    <dgm:cxn modelId="{0A86DD6F-52C7-4EEF-8584-1DA7D097C7B0}" type="presOf" srcId="{E3B85F51-DD24-4644-8039-620A44F5235C}" destId="{FAFE4D4B-93AF-4C7E-84F4-820CF474FD45}" srcOrd="0" destOrd="0" presId="urn:microsoft.com/office/officeart/2008/layout/LinedList"/>
     <dgm:cxn modelId="{7D16A870-24B2-4038-8A17-420CF523C941}" srcId="{57930F2F-5376-4D22-AF32-76684D0552C9}" destId="{9E479AEC-E92A-40E2-9189-6A9A9BFFECCF}" srcOrd="0" destOrd="0" parTransId="{54DCBB35-4331-45ED-BDBD-4730185CDB1B}" sibTransId="{FE36D7FA-3B50-4369-9C81-45D5BBD482C6}"/>
     <dgm:cxn modelId="{AD9DE076-5C29-4F7E-B09F-44F15EA6E0F3}" srcId="{9E479AEC-E92A-40E2-9189-6A9A9BFFECCF}" destId="{CDC96BC5-5380-4AF0-94F9-7ADB9F371601}" srcOrd="0" destOrd="0" parTransId="{E7F39E33-690E-4E7A-80A5-95FD32177F24}" sibTransId="{5DD4E688-C7DE-4FFB-B0DB-A941698D6573}"/>
     <dgm:cxn modelId="{03B65877-DEB0-422D-958A-376C1A3B4CE0}" srcId="{5D48BA06-4FD9-43BC-9D1A-E7F638A4E49F}" destId="{36C12FC1-3C99-48A5-A96C-D46BCFD61D3D}" srcOrd="1" destOrd="0" parTransId="{16C28CB4-5717-4720-A055-D0C1FBB69E17}" sibTransId="{533EEBE4-9A9A-41D9-B106-70789689C58A}"/>
@@ -5266,16 +5799,25 @@
     <dgm:cxn modelId="{3D902098-E44A-4929-917F-2D51CEF26233}" type="presOf" srcId="{8D772413-35B2-43F6-ADC7-1390FE8E2E09}" destId="{48AFBB52-DDED-46DF-9DE3-8FCBF206C6E5}" srcOrd="0" destOrd="0" presId="urn:microsoft.com/office/officeart/2008/layout/LinedList"/>
     <dgm:cxn modelId="{9000F7A2-C43A-4089-A6FB-2599BEA52C60}" srcId="{9E479AEC-E92A-40E2-9189-6A9A9BFFECCF}" destId="{893F254B-E2FF-406B-91EE-926CD28F8227}" srcOrd="2" destOrd="0" parTransId="{F06824D7-495D-4AC3-B2F9-1F1EEE460069}" sibTransId="{A0225833-ECFF-4A48-940A-FE0990FD0843}"/>
     <dgm:cxn modelId="{2D2259A4-DF83-4E83-8380-0AE078061A4C}" type="presOf" srcId="{5CF621E6-1486-434A-8BAA-BF784031DFE6}" destId="{06888EAD-C244-4B53-8329-F8DB59148510}" srcOrd="0" destOrd="0" presId="urn:microsoft.com/office/officeart/2008/layout/LinedList"/>
+    <dgm:cxn modelId="{891680A5-1A5C-439F-BDC8-5EE9C2A314A4}" srcId="{A5B92957-D801-4DCE-B9B5-01270DE0C66A}" destId="{F4360B35-15CE-4015-A588-28AB13FEE7DE}" srcOrd="0" destOrd="0" parTransId="{8876A898-03F9-4CD8-8DF6-9C8CB8979EF3}" sibTransId="{0C8FDCBA-14DD-4138-9ECF-56E0A7386A4B}"/>
     <dgm:cxn modelId="{F7CA41B7-A42F-4A3A-B30A-28CDCFEDBEBC}" srcId="{A97AF203-9BAA-4048-A1D6-BEF35201E1D4}" destId="{88E3831E-1504-4AB7-BCB9-54FD9C17FAEB}" srcOrd="1" destOrd="0" parTransId="{F7C3D6F5-7CC9-4F9A-9D8B-11533CF3DDA6}" sibTransId="{2E61EFE5-F8DB-4953-B7A5-6B6E8C7F5970}"/>
+    <dgm:cxn modelId="{D798BAC9-DF1B-4C3C-8009-E965F6EF0077}" srcId="{326643AC-AF85-4BA5-8670-223015D9FBE2}" destId="{385CADFE-4B31-4880-AC05-611FE402E9FE}" srcOrd="0" destOrd="0" parTransId="{1B08C6F6-FA41-47FA-A998-7302BAF109BD}" sibTransId="{CBFCEF8F-485C-429F-B34B-BDA8916FA788}"/>
     <dgm:cxn modelId="{8F699BCB-DB24-4C16-ABFF-7BC7881C171C}" srcId="{A97AF203-9BAA-4048-A1D6-BEF35201E1D4}" destId="{A5B92957-D801-4DCE-B9B5-01270DE0C66A}" srcOrd="0" destOrd="0" parTransId="{253B5995-005A-4BD3-835C-2B493A699C99}" sibTransId="{0E641223-9EAD-496D-8CD7-E40A0FD01FBB}"/>
     <dgm:cxn modelId="{1A4920CC-0EA1-4D74-8330-2D8E7280F73E}" srcId="{9E479AEC-E92A-40E2-9189-6A9A9BFFECCF}" destId="{8B889A5A-63EC-4D28-8902-759434C931FD}" srcOrd="1" destOrd="0" parTransId="{2CFE90E5-6379-483A-98C7-CD678DE50411}" sibTransId="{AC4028E9-1B2A-4E21-B4CF-E8CFB038BB54}"/>
     <dgm:cxn modelId="{B4552CD0-391D-4BA7-84EE-AD302D452FA8}" srcId="{5D48BA06-4FD9-43BC-9D1A-E7F638A4E49F}" destId="{5CF621E6-1486-434A-8BAA-BF784031DFE6}" srcOrd="2" destOrd="0" parTransId="{C2953211-5CFC-4673-B997-BA6C512667F2}" sibTransId="{A4AE5090-C688-4435-9980-8283EF0447D5}"/>
     <dgm:cxn modelId="{8A969FD0-70B4-4427-A675-E886A633D92E}" type="presOf" srcId="{CDC96BC5-5380-4AF0-94F9-7ADB9F371601}" destId="{E9F279EE-D5E9-4FD7-AF06-823CE640FC1D}" srcOrd="0" destOrd="0" presId="urn:microsoft.com/office/officeart/2008/layout/LinedList"/>
     <dgm:cxn modelId="{A18D75D8-B7E4-4F3E-B725-9604C499A854}" type="presOf" srcId="{893F254B-E2FF-406B-91EE-926CD28F8227}" destId="{AB6E250B-7EF9-4371-B031-14CA7491E51D}" srcOrd="0" destOrd="0" presId="urn:microsoft.com/office/officeart/2008/layout/LinedList"/>
+    <dgm:cxn modelId="{E7B69ADC-A890-4BA2-A029-7064BBFE428E}" type="presOf" srcId="{201315D0-AC31-4295-841C-30C76ACDD1CE}" destId="{0AE52FD6-7F46-46A1-89C6-3AF1A78ABB54}" srcOrd="0" destOrd="0" presId="urn:microsoft.com/office/officeart/2008/layout/LinedList"/>
     <dgm:cxn modelId="{94AFACE7-47C1-4127-A476-2269CF774A56}" srcId="{CDC96BC5-5380-4AF0-94F9-7ADB9F371601}" destId="{A9F4ECEB-4674-475D-9C17-A031B7B19DF8}" srcOrd="0" destOrd="0" parTransId="{5DD059A9-1DC7-48A9-964B-0D5C4BEEAB3C}" sibTransId="{B7E097AC-905A-405D-B75B-7AC3A2820BC5}"/>
     <dgm:cxn modelId="{CD3920EB-F5D4-48F9-B937-462CA40F8D8F}" srcId="{57930F2F-5376-4D22-AF32-76684D0552C9}" destId="{5D48BA06-4FD9-43BC-9D1A-E7F638A4E49F}" srcOrd="2" destOrd="0" parTransId="{DE212593-8785-49A3-9AEA-A231778D99D9}" sibTransId="{36BA80E6-70C4-48B5-884F-2271F02074AD}"/>
     <dgm:cxn modelId="{B244E7ED-3A79-479D-908C-A215C4BC20D7}" type="presOf" srcId="{A9F4ECEB-4674-475D-9C17-A031B7B19DF8}" destId="{A5F89D22-FDA4-43FF-AFC4-85EFC2119409}" srcOrd="0" destOrd="0" presId="urn:microsoft.com/office/officeart/2008/layout/LinedList"/>
+    <dgm:cxn modelId="{464A8AF3-BAFB-4AE0-A8A7-C2A97FF48EBE}" type="presOf" srcId="{385CADFE-4B31-4880-AC05-611FE402E9FE}" destId="{330AD9D5-D2B5-4C02-94E6-79D82B8A97A1}" srcOrd="0" destOrd="0" presId="urn:microsoft.com/office/officeart/2008/layout/LinedList"/>
     <dgm:cxn modelId="{882B19F6-4689-4CFB-833B-A8B4FEE46B23}" type="presOf" srcId="{326643AC-AF85-4BA5-8670-223015D9FBE2}" destId="{6ADBCB8E-CD7E-49A5-A75B-36A9A5472B94}" srcOrd="0" destOrd="0" presId="urn:microsoft.com/office/officeart/2008/layout/LinedList"/>
+    <dgm:cxn modelId="{E3AC15F8-4B5E-4711-A0B5-D75487E2E83F}" type="presOf" srcId="{CA4C96F7-6826-4D78-B296-C886986C5DEB}" destId="{593C7A4B-235D-47C3-AFFA-9CBBFB8BAAFC}" srcOrd="0" destOrd="0" presId="urn:microsoft.com/office/officeart/2008/layout/LinedList"/>
+    <dgm:cxn modelId="{9651DAF8-699C-419E-8637-149476CA953D}" srcId="{5CF621E6-1486-434A-8BAA-BF784031DFE6}" destId="{201315D0-AC31-4295-841C-30C76ACDD1CE}" srcOrd="0" destOrd="0" parTransId="{0BA02017-855D-4D29-8D36-A5CE9656F2AE}" sibTransId="{388FFA79-B46D-4855-B462-C3365ABEEF39}"/>
+    <dgm:cxn modelId="{541F0FF9-E050-4B80-9779-FBE490A3F868}" type="presOf" srcId="{F4360B35-15CE-4015-A588-28AB13FEE7DE}" destId="{EE68CC83-86D5-45AB-914C-8D2D452712CC}" srcOrd="0" destOrd="0" presId="urn:microsoft.com/office/officeart/2008/layout/LinedList"/>
+    <dgm:cxn modelId="{3BF7E8FB-FF0C-4CC5-A488-97178FD3628B}" srcId="{88E3831E-1504-4AB7-BCB9-54FD9C17FAEB}" destId="{CA4C96F7-6826-4D78-B296-C886986C5DEB}" srcOrd="0" destOrd="0" parTransId="{C9C8249F-F44E-4A73-9297-89AA648F3E2E}" sibTransId="{815447B7-FFE4-4A13-9BEA-2DDE0726B17D}"/>
+    <dgm:cxn modelId="{5A45C0FD-022F-4412-9D81-7D01370547FE}" srcId="{893F254B-E2FF-406B-91EE-926CD28F8227}" destId="{FF9E66AA-40C2-4963-9BD4-D7C4741693CE}" srcOrd="0" destOrd="0" parTransId="{27742EEF-E134-434D-8A22-8CCC9774E7FE}" sibTransId="{7E3D13D1-E69D-4557-AD88-34D36E1A69D0}"/>
     <dgm:cxn modelId="{8F0EB45F-26CE-4970-B8F0-69479ABC76D5}" type="presParOf" srcId="{48AFBB52-DDED-46DF-9DE3-8FCBF206C6E5}" destId="{4F74D46C-62EE-4695-97C9-FCD9AA006EDC}" srcOrd="0" destOrd="0" presId="urn:microsoft.com/office/officeart/2008/layout/LinedList"/>
     <dgm:cxn modelId="{D263DF04-34FE-4E8C-9A07-219269681300}" type="presParOf" srcId="{48AFBB52-DDED-46DF-9DE3-8FCBF206C6E5}" destId="{F22FC035-5ABC-4CCD-AC0A-E9A57E2FC0F0}" srcOrd="1" destOrd="0" presId="urn:microsoft.com/office/officeart/2008/layout/LinedList"/>
     <dgm:cxn modelId="{08FF9B5C-741A-4666-B2CA-654B0EC4DC43}" type="presParOf" srcId="{F22FC035-5ABC-4CCD-AC0A-E9A57E2FC0F0}" destId="{AECBCDB1-D1A2-4A6F-B077-E78653B70D61}" srcOrd="0" destOrd="0" presId="urn:microsoft.com/office/officeart/2008/layout/LinedList"/>
@@ -5301,11 +5843,17 @@
     <dgm:cxn modelId="{08F5F6BC-FC65-495F-8386-DE56BC174168}" type="presParOf" srcId="{A6763664-1523-4A0D-9588-B624A7E99C22}" destId="{D30B77DF-7EB4-4D68-9C8B-8EF268617ACA}" srcOrd="0" destOrd="0" presId="urn:microsoft.com/office/officeart/2008/layout/LinedList"/>
     <dgm:cxn modelId="{0D3010C4-8B08-4D10-B4D6-5EAB4A009546}" type="presParOf" srcId="{A6763664-1523-4A0D-9588-B624A7E99C22}" destId="{C05B8D0C-0BC3-455B-8538-F0014936D4A7}" srcOrd="1" destOrd="0" presId="urn:microsoft.com/office/officeart/2008/layout/LinedList"/>
     <dgm:cxn modelId="{5761ADE6-0E51-4228-A9EB-8C525AB082C4}" type="presParOf" srcId="{A6763664-1523-4A0D-9588-B624A7E99C22}" destId="{B470D55C-A837-4017-B4B1-8C07DCA2D9DE}" srcOrd="2" destOrd="0" presId="urn:microsoft.com/office/officeart/2008/layout/LinedList"/>
+    <dgm:cxn modelId="{DF5296C7-FC46-4E22-998C-3342B5787948}" type="presParOf" srcId="{B470D55C-A837-4017-B4B1-8C07DCA2D9DE}" destId="{F8B0DD6C-CE1D-4E97-9E7E-3D9808C48892}" srcOrd="0" destOrd="0" presId="urn:microsoft.com/office/officeart/2008/layout/LinedList"/>
+    <dgm:cxn modelId="{BB4B498D-6443-4D76-BADC-AD49A0C410E5}" type="presParOf" srcId="{F8B0DD6C-CE1D-4E97-9E7E-3D9808C48892}" destId="{E09544A6-E26B-4192-84E1-D19A00330E1F}" srcOrd="0" destOrd="0" presId="urn:microsoft.com/office/officeart/2008/layout/LinedList"/>
+    <dgm:cxn modelId="{697588A5-598B-4490-AEDA-F63434A4C2C6}" type="presParOf" srcId="{F8B0DD6C-CE1D-4E97-9E7E-3D9808C48892}" destId="{F081ACE4-1ED0-46D1-90C6-5709447388BA}" srcOrd="1" destOrd="0" presId="urn:microsoft.com/office/officeart/2008/layout/LinedList"/>
     <dgm:cxn modelId="{3FE4ABDC-BF56-4BBA-A91C-1E60165F83AC}" type="presParOf" srcId="{13F28FAD-E357-42C3-8690-00873DEA03B7}" destId="{C6A1D7B1-8F6B-4666-A63B-EE284E7CA5CA}" srcOrd="3" destOrd="0" presId="urn:microsoft.com/office/officeart/2008/layout/LinedList"/>
     <dgm:cxn modelId="{A1808EB9-410D-47DF-8BD0-A2017F284607}" type="presParOf" srcId="{13F28FAD-E357-42C3-8690-00873DEA03B7}" destId="{59B7A6B1-33AC-4131-AB74-73FD47B213B4}" srcOrd="4" destOrd="0" presId="urn:microsoft.com/office/officeart/2008/layout/LinedList"/>
     <dgm:cxn modelId="{66B8F173-3697-4984-ABF2-BBB98AF146E1}" type="presParOf" srcId="{59B7A6B1-33AC-4131-AB74-73FD47B213B4}" destId="{3BF2EA72-82D0-451F-A4E2-09754BACE874}" srcOrd="0" destOrd="0" presId="urn:microsoft.com/office/officeart/2008/layout/LinedList"/>
     <dgm:cxn modelId="{F62CBF6D-FC95-4F13-BE4A-2B3B67974869}" type="presParOf" srcId="{59B7A6B1-33AC-4131-AB74-73FD47B213B4}" destId="{AB6E250B-7EF9-4371-B031-14CA7491E51D}" srcOrd="1" destOrd="0" presId="urn:microsoft.com/office/officeart/2008/layout/LinedList"/>
     <dgm:cxn modelId="{05F99EC0-11C9-4628-A61F-2B1ADE53B0F9}" type="presParOf" srcId="{59B7A6B1-33AC-4131-AB74-73FD47B213B4}" destId="{40291B64-4B63-4D7A-8E4D-30F31C83C755}" srcOrd="2" destOrd="0" presId="urn:microsoft.com/office/officeart/2008/layout/LinedList"/>
+    <dgm:cxn modelId="{9CA12E67-5BE0-4703-B12F-BF210CA659B4}" type="presParOf" srcId="{40291B64-4B63-4D7A-8E4D-30F31C83C755}" destId="{0B4A4680-134E-4359-BCD0-2C1B92FC450A}" srcOrd="0" destOrd="0" presId="urn:microsoft.com/office/officeart/2008/layout/LinedList"/>
+    <dgm:cxn modelId="{45F187CF-2A1E-4536-B9AD-75BEE62D3CC5}" type="presParOf" srcId="{0B4A4680-134E-4359-BCD0-2C1B92FC450A}" destId="{83340BA3-3BB1-4695-B4C0-D7F5403CCA51}" srcOrd="0" destOrd="0" presId="urn:microsoft.com/office/officeart/2008/layout/LinedList"/>
+    <dgm:cxn modelId="{B7CDF2C4-67AE-4452-8D25-E88EA7C782C8}" type="presParOf" srcId="{0B4A4680-134E-4359-BCD0-2C1B92FC450A}" destId="{45A80A22-43E9-4AB7-AA03-3CDF2B0B7BD5}" srcOrd="1" destOrd="0" presId="urn:microsoft.com/office/officeart/2008/layout/LinedList"/>
     <dgm:cxn modelId="{14D4E76F-17FA-4AFA-B546-6D0F6DE87182}" type="presParOf" srcId="{06E18BB7-388B-4B10-80B6-F085CA619DFE}" destId="{B96BF1B0-DFD8-416C-B6DB-09C06FB50B89}" srcOrd="2" destOrd="0" presId="urn:microsoft.com/office/officeart/2008/layout/LinedList"/>
     <dgm:cxn modelId="{63A846D6-02E4-40D2-95E6-4B1E72D2D5AA}" type="presParOf" srcId="{06E18BB7-388B-4B10-80B6-F085CA619DFE}" destId="{3B5C8C7E-31B2-4122-8789-966DE8F4B1A9}" srcOrd="3" destOrd="0" presId="urn:microsoft.com/office/officeart/2008/layout/LinedList"/>
     <dgm:cxn modelId="{40D06817-4095-4B64-B864-0B0A5E3F49A8}" type="presParOf" srcId="{06E18BB7-388B-4B10-80B6-F085CA619DFE}" destId="{C9A4ED98-8169-42F4-A001-5D3DD603C97A}" srcOrd="4" destOrd="0" presId="urn:microsoft.com/office/officeart/2008/layout/LinedList"/>
@@ -5316,16 +5864,25 @@
     <dgm:cxn modelId="{A2FF0955-B7B0-44E9-B3F5-DCB4CB535182}" type="presParOf" srcId="{86353287-94BF-4D78-B2C0-0ECCE0C66FE7}" destId="{6A054826-5AF7-47F3-BC76-717B75235DBB}" srcOrd="0" destOrd="0" presId="urn:microsoft.com/office/officeart/2008/layout/LinedList"/>
     <dgm:cxn modelId="{ACD31E68-433C-4894-999C-6E7FC1199EF2}" type="presParOf" srcId="{86353287-94BF-4D78-B2C0-0ECCE0C66FE7}" destId="{83F727BA-8971-49F9-A539-D2D8F2C5DADD}" srcOrd="1" destOrd="0" presId="urn:microsoft.com/office/officeart/2008/layout/LinedList"/>
     <dgm:cxn modelId="{1E86BBCA-9A75-43CB-B7E7-165C4003C714}" type="presParOf" srcId="{86353287-94BF-4D78-B2C0-0ECCE0C66FE7}" destId="{76190BA2-C354-450C-9A42-159DF22E0000}" srcOrd="2" destOrd="0" presId="urn:microsoft.com/office/officeart/2008/layout/LinedList"/>
+    <dgm:cxn modelId="{74AEF420-3031-4C49-A949-87C5BBDE9161}" type="presParOf" srcId="{76190BA2-C354-450C-9A42-159DF22E0000}" destId="{69950C98-03CC-4788-89DD-B49298F0D6C7}" srcOrd="0" destOrd="0" presId="urn:microsoft.com/office/officeart/2008/layout/LinedList"/>
+    <dgm:cxn modelId="{FEA9675C-A278-47FC-A7D7-A2C9D8D61190}" type="presParOf" srcId="{69950C98-03CC-4788-89DD-B49298F0D6C7}" destId="{B2D5EF4F-39B0-4BB7-B1B4-0D0098873611}" srcOrd="0" destOrd="0" presId="urn:microsoft.com/office/officeart/2008/layout/LinedList"/>
+    <dgm:cxn modelId="{FC5A8C98-608F-489F-B77D-2FA05A58336D}" type="presParOf" srcId="{69950C98-03CC-4788-89DD-B49298F0D6C7}" destId="{EE68CC83-86D5-45AB-914C-8D2D452712CC}" srcOrd="1" destOrd="0" presId="urn:microsoft.com/office/officeart/2008/layout/LinedList"/>
     <dgm:cxn modelId="{42A5C700-C6F1-4D48-BFFD-75C88AF0972C}" type="presParOf" srcId="{490FB9D7-BDD3-479F-8921-DDFD7FA81411}" destId="{5F76A1A7-9605-47B0-A11A-C03D3CCDE89E}" srcOrd="1" destOrd="0" presId="urn:microsoft.com/office/officeart/2008/layout/LinedList"/>
     <dgm:cxn modelId="{0D5510CC-CED1-4F62-88AE-6F54A0055C83}" type="presParOf" srcId="{490FB9D7-BDD3-479F-8921-DDFD7FA81411}" destId="{B8A6DE07-CF13-4ECE-9900-083A141B73CB}" srcOrd="2" destOrd="0" presId="urn:microsoft.com/office/officeart/2008/layout/LinedList"/>
     <dgm:cxn modelId="{63BFFA25-0AAD-43C5-A3AF-A3040762B86B}" type="presParOf" srcId="{B8A6DE07-CF13-4ECE-9900-083A141B73CB}" destId="{D1390A55-1564-405F-A45B-08204A64EA48}" srcOrd="0" destOrd="0" presId="urn:microsoft.com/office/officeart/2008/layout/LinedList"/>
     <dgm:cxn modelId="{E53E8B4A-1125-4279-9D45-667C0376AC8A}" type="presParOf" srcId="{B8A6DE07-CF13-4ECE-9900-083A141B73CB}" destId="{6214D28D-3D4F-4063-BCB6-38320D34B2DF}" srcOrd="1" destOrd="0" presId="urn:microsoft.com/office/officeart/2008/layout/LinedList"/>
     <dgm:cxn modelId="{077FFE3A-AA6C-4997-A4FD-B354897F4009}" type="presParOf" srcId="{B8A6DE07-CF13-4ECE-9900-083A141B73CB}" destId="{4B5BDCAB-64FB-4013-A784-D4316E0998BA}" srcOrd="2" destOrd="0" presId="urn:microsoft.com/office/officeart/2008/layout/LinedList"/>
+    <dgm:cxn modelId="{51FA6B6C-0A9C-4BE7-BEB0-8191720FA240}" type="presParOf" srcId="{4B5BDCAB-64FB-4013-A784-D4316E0998BA}" destId="{1F9E561B-0C58-4DE6-A550-3D41296DCDA4}" srcOrd="0" destOrd="0" presId="urn:microsoft.com/office/officeart/2008/layout/LinedList"/>
+    <dgm:cxn modelId="{9BD3B117-3235-464C-8E36-E6A27010CE4A}" type="presParOf" srcId="{1F9E561B-0C58-4DE6-A550-3D41296DCDA4}" destId="{3881F799-9C97-4846-921C-35166C41079B}" srcOrd="0" destOrd="0" presId="urn:microsoft.com/office/officeart/2008/layout/LinedList"/>
+    <dgm:cxn modelId="{2B7ED53D-6F9F-417D-9B63-62978E23A934}" type="presParOf" srcId="{1F9E561B-0C58-4DE6-A550-3D41296DCDA4}" destId="{593C7A4B-235D-47C3-AFFA-9CBBFB8BAAFC}" srcOrd="1" destOrd="0" presId="urn:microsoft.com/office/officeart/2008/layout/LinedList"/>
     <dgm:cxn modelId="{294D0442-B43F-4696-9DA6-4CEA888946E1}" type="presParOf" srcId="{490FB9D7-BDD3-479F-8921-DDFD7FA81411}" destId="{CE790027-9C65-438A-99F4-645A0CCF3BA3}" srcOrd="3" destOrd="0" presId="urn:microsoft.com/office/officeart/2008/layout/LinedList"/>
     <dgm:cxn modelId="{B306D109-C7C8-40F0-8292-5074FAB7DED6}" type="presParOf" srcId="{490FB9D7-BDD3-479F-8921-DDFD7FA81411}" destId="{B66826E2-3124-4C54-A669-43087C441A73}" srcOrd="4" destOrd="0" presId="urn:microsoft.com/office/officeart/2008/layout/LinedList"/>
     <dgm:cxn modelId="{17AF3C31-F816-4294-8676-F578E3FB7467}" type="presParOf" srcId="{B66826E2-3124-4C54-A669-43087C441A73}" destId="{03E52050-AE88-429D-B63E-011D129A4586}" srcOrd="0" destOrd="0" presId="urn:microsoft.com/office/officeart/2008/layout/LinedList"/>
     <dgm:cxn modelId="{5D7F358F-A467-4F95-917C-A00CD650D9F3}" type="presParOf" srcId="{B66826E2-3124-4C54-A669-43087C441A73}" destId="{6ADBCB8E-CD7E-49A5-A75B-36A9A5472B94}" srcOrd="1" destOrd="0" presId="urn:microsoft.com/office/officeart/2008/layout/LinedList"/>
     <dgm:cxn modelId="{2643BD7C-D85E-4F0F-9E97-1829303EE84B}" type="presParOf" srcId="{B66826E2-3124-4C54-A669-43087C441A73}" destId="{BD01B7E8-0451-4E9F-ABA7-80F5A5CB9A53}" srcOrd="2" destOrd="0" presId="urn:microsoft.com/office/officeart/2008/layout/LinedList"/>
+    <dgm:cxn modelId="{D13F0608-69D0-42BC-B1CA-AB5434B30F4A}" type="presParOf" srcId="{BD01B7E8-0451-4E9F-ABA7-80F5A5CB9A53}" destId="{9FB47A10-D2EE-4048-822A-CEB66D6B757D}" srcOrd="0" destOrd="0" presId="urn:microsoft.com/office/officeart/2008/layout/LinedList"/>
+    <dgm:cxn modelId="{3C349146-80F1-4177-980D-B5423DE6DE17}" type="presParOf" srcId="{9FB47A10-D2EE-4048-822A-CEB66D6B757D}" destId="{F302F9CC-AC33-40D8-BABF-BB7BD4CB3BBF}" srcOrd="0" destOrd="0" presId="urn:microsoft.com/office/officeart/2008/layout/LinedList"/>
+    <dgm:cxn modelId="{91F6BD58-95AA-4AAE-A754-56F2F3A52FC2}" type="presParOf" srcId="{9FB47A10-D2EE-4048-822A-CEB66D6B757D}" destId="{330AD9D5-D2B5-4C02-94E6-79D82B8A97A1}" srcOrd="1" destOrd="0" presId="urn:microsoft.com/office/officeart/2008/layout/LinedList"/>
     <dgm:cxn modelId="{237F6FA6-4296-45F2-BACF-676C113B7CA9}" type="presParOf" srcId="{06E18BB7-388B-4B10-80B6-F085CA619DFE}" destId="{102684B5-A09A-4CF1-A486-28509B60641E}" srcOrd="5" destOrd="0" presId="urn:microsoft.com/office/officeart/2008/layout/LinedList"/>
     <dgm:cxn modelId="{B9CA4F5E-E323-41CE-A8D9-1F54E4820F33}" type="presParOf" srcId="{06E18BB7-388B-4B10-80B6-F085CA619DFE}" destId="{D4513D54-0A7C-4BD1-9D47-B196B90B085B}" srcOrd="6" destOrd="0" presId="urn:microsoft.com/office/officeart/2008/layout/LinedList"/>
     <dgm:cxn modelId="{378E5F47-C1E9-4691-B66D-7163B59C53BA}" type="presParOf" srcId="{06E18BB7-388B-4B10-80B6-F085CA619DFE}" destId="{4305618E-7923-4A0A-9B37-1ACF5A003FBF}" srcOrd="7" destOrd="0" presId="urn:microsoft.com/office/officeart/2008/layout/LinedList"/>
@@ -5336,16 +5893,25 @@
     <dgm:cxn modelId="{E5E5ACA2-6A33-4C60-A326-D45A43F7679D}" type="presParOf" srcId="{E6F74F6A-5F31-41BB-937D-A51EC57E37CB}" destId="{15C18D59-3A5F-4868-856E-3FCE6FFB7A70}" srcOrd="0" destOrd="0" presId="urn:microsoft.com/office/officeart/2008/layout/LinedList"/>
     <dgm:cxn modelId="{2D05C7BE-02AB-4E42-BC4F-8F76C2E911FB}" type="presParOf" srcId="{E6F74F6A-5F31-41BB-937D-A51EC57E37CB}" destId="{43E72FB3-57EF-4139-9686-196F9FB00B47}" srcOrd="1" destOrd="0" presId="urn:microsoft.com/office/officeart/2008/layout/LinedList"/>
     <dgm:cxn modelId="{6A81483A-AF8B-4318-B2F4-E49BE79416AF}" type="presParOf" srcId="{E6F74F6A-5F31-41BB-937D-A51EC57E37CB}" destId="{11572409-F813-4069-9DE7-870FB4424379}" srcOrd="2" destOrd="0" presId="urn:microsoft.com/office/officeart/2008/layout/LinedList"/>
+    <dgm:cxn modelId="{CD9FEE4A-3F65-47A9-9E3B-629B72B80FC3}" type="presParOf" srcId="{11572409-F813-4069-9DE7-870FB4424379}" destId="{10AFD37A-963E-4DAA-9420-935FCF1A3273}" srcOrd="0" destOrd="0" presId="urn:microsoft.com/office/officeart/2008/layout/LinedList"/>
+    <dgm:cxn modelId="{CE87531E-2C70-45CF-94BA-509D28DBE061}" type="presParOf" srcId="{10AFD37A-963E-4DAA-9420-935FCF1A3273}" destId="{BBC8FEB3-D219-428B-BBA1-3E8F2D7F22F1}" srcOrd="0" destOrd="0" presId="urn:microsoft.com/office/officeart/2008/layout/LinedList"/>
+    <dgm:cxn modelId="{A9DBBCCE-0BAD-4ABB-B752-225D7E93FBD7}" type="presParOf" srcId="{10AFD37A-963E-4DAA-9420-935FCF1A3273}" destId="{FAFE4D4B-93AF-4C7E-84F4-820CF474FD45}" srcOrd="1" destOrd="0" presId="urn:microsoft.com/office/officeart/2008/layout/LinedList"/>
     <dgm:cxn modelId="{84B6113E-8289-4F73-B56A-76B258B1CF15}" type="presParOf" srcId="{DEF1828D-6403-4FE6-9118-2AD5FAD46D65}" destId="{8198F011-D2C0-4E37-914F-900C5FC3C405}" srcOrd="1" destOrd="0" presId="urn:microsoft.com/office/officeart/2008/layout/LinedList"/>
     <dgm:cxn modelId="{BB524E1E-F7E8-4B1F-B76A-8FDA42835E97}" type="presParOf" srcId="{DEF1828D-6403-4FE6-9118-2AD5FAD46D65}" destId="{77EE1EEA-E581-414A-846F-34865BDB0455}" srcOrd="2" destOrd="0" presId="urn:microsoft.com/office/officeart/2008/layout/LinedList"/>
     <dgm:cxn modelId="{ECD54F11-BC3F-4394-9E69-F120B72AFB84}" type="presParOf" srcId="{77EE1EEA-E581-414A-846F-34865BDB0455}" destId="{01C58F01-53D1-4004-81BF-E69119CC0ABD}" srcOrd="0" destOrd="0" presId="urn:microsoft.com/office/officeart/2008/layout/LinedList"/>
     <dgm:cxn modelId="{FFF64234-728F-4148-86FD-6996949D58AD}" type="presParOf" srcId="{77EE1EEA-E581-414A-846F-34865BDB0455}" destId="{1BF689E9-5804-4B9C-B9AE-495DF1AB5CEB}" srcOrd="1" destOrd="0" presId="urn:microsoft.com/office/officeart/2008/layout/LinedList"/>
     <dgm:cxn modelId="{4398155E-EFF2-45CE-ABF3-35339C2FDCAB}" type="presParOf" srcId="{77EE1EEA-E581-414A-846F-34865BDB0455}" destId="{50970479-BA95-45AD-A56B-AFE49E81C143}" srcOrd="2" destOrd="0" presId="urn:microsoft.com/office/officeart/2008/layout/LinedList"/>
+    <dgm:cxn modelId="{9DCCAC10-FDB6-4991-89AE-266E707FA989}" type="presParOf" srcId="{50970479-BA95-45AD-A56B-AFE49E81C143}" destId="{CF5A42E2-5784-4D90-9168-5E135E551DC1}" srcOrd="0" destOrd="0" presId="urn:microsoft.com/office/officeart/2008/layout/LinedList"/>
+    <dgm:cxn modelId="{7B606D48-8241-40E7-B7E6-009BF4D86DF7}" type="presParOf" srcId="{CF5A42E2-5784-4D90-9168-5E135E551DC1}" destId="{10265390-D35E-4A6D-988C-5C6F13747717}" srcOrd="0" destOrd="0" presId="urn:microsoft.com/office/officeart/2008/layout/LinedList"/>
+    <dgm:cxn modelId="{01084886-FAC6-4E69-878E-C6AEA7F67F44}" type="presParOf" srcId="{CF5A42E2-5784-4D90-9168-5E135E551DC1}" destId="{976A95F4-54E6-4669-8C60-DE5D4FE3B3E1}" srcOrd="1" destOrd="0" presId="urn:microsoft.com/office/officeart/2008/layout/LinedList"/>
     <dgm:cxn modelId="{BF5F1C2C-1961-4B83-8838-5323EFB1036D}" type="presParOf" srcId="{DEF1828D-6403-4FE6-9118-2AD5FAD46D65}" destId="{4BDB3CC5-8724-44C3-A630-91C6DCDE03B6}" srcOrd="3" destOrd="0" presId="urn:microsoft.com/office/officeart/2008/layout/LinedList"/>
     <dgm:cxn modelId="{05ED31C9-C1A5-4EB3-A58F-1B5AD70CD505}" type="presParOf" srcId="{DEF1828D-6403-4FE6-9118-2AD5FAD46D65}" destId="{F917614C-A6E6-41AC-8676-14D5087F6C1F}" srcOrd="4" destOrd="0" presId="urn:microsoft.com/office/officeart/2008/layout/LinedList"/>
     <dgm:cxn modelId="{418C470A-D20E-4C8D-A57D-2D766BDDBAA6}" type="presParOf" srcId="{F917614C-A6E6-41AC-8676-14D5087F6C1F}" destId="{ED0DF6A4-FA55-4D7C-978D-8BCD5938B386}" srcOrd="0" destOrd="0" presId="urn:microsoft.com/office/officeart/2008/layout/LinedList"/>
     <dgm:cxn modelId="{531532DC-11DA-4672-8818-E8FE49FCD9D2}" type="presParOf" srcId="{F917614C-A6E6-41AC-8676-14D5087F6C1F}" destId="{06888EAD-C244-4B53-8329-F8DB59148510}" srcOrd="1" destOrd="0" presId="urn:microsoft.com/office/officeart/2008/layout/LinedList"/>
     <dgm:cxn modelId="{F55B623A-81D5-4471-9175-E1B0367EC87B}" type="presParOf" srcId="{F917614C-A6E6-41AC-8676-14D5087F6C1F}" destId="{0CA82E7F-B41C-4F02-9D97-C25AFB883B73}" srcOrd="2" destOrd="0" presId="urn:microsoft.com/office/officeart/2008/layout/LinedList"/>
+    <dgm:cxn modelId="{6A7511B5-3125-42C7-AC32-5925C158B654}" type="presParOf" srcId="{0CA82E7F-B41C-4F02-9D97-C25AFB883B73}" destId="{A34E5E68-9590-4FF8-AF6E-38F67DFE9283}" srcOrd="0" destOrd="0" presId="urn:microsoft.com/office/officeart/2008/layout/LinedList"/>
+    <dgm:cxn modelId="{5BEF49FC-9722-48AC-B02B-B0101B36E6DD}" type="presParOf" srcId="{A34E5E68-9590-4FF8-AF6E-38F67DFE9283}" destId="{9FD5E385-9229-46B2-8BC6-888238AF233D}" srcOrd="0" destOrd="0" presId="urn:microsoft.com/office/officeart/2008/layout/LinedList"/>
+    <dgm:cxn modelId="{9C797D04-92EA-41B7-9029-6D4197233529}" type="presParOf" srcId="{A34E5E68-9590-4FF8-AF6E-38F67DFE9283}" destId="{0AE52FD6-7F46-46A1-89C6-3AF1A78ABB54}" srcOrd="1" destOrd="0" presId="urn:microsoft.com/office/officeart/2008/layout/LinedList"/>
     <dgm:cxn modelId="{EF7AC9FE-B254-4FDF-909F-61852567FB30}" type="presParOf" srcId="{06E18BB7-388B-4B10-80B6-F085CA619DFE}" destId="{27E6E512-074A-4689-AF9F-7CB5CC318EA2}" srcOrd="8" destOrd="0" presId="urn:microsoft.com/office/officeart/2008/layout/LinedList"/>
     <dgm:cxn modelId="{A1D0A6F5-708A-48AA-8DFE-93450B865A95}" type="presParOf" srcId="{06E18BB7-388B-4B10-80B6-F085CA619DFE}" destId="{FB56BBB6-38D3-4FD0-AB96-0434DEBC6395}" srcOrd="9" destOrd="0" presId="urn:microsoft.com/office/officeart/2008/layout/LinedList"/>
   </dgm:cxnLst>
@@ -9362,8 +9928,8 @@
       </dsp:nvSpPr>
       <dsp:spPr>
         <a:xfrm>
-          <a:off x="0" y="1091"/>
-          <a:ext cx="11168742" cy="0"/>
+          <a:off x="0" y="1199"/>
+          <a:ext cx="11430735" cy="0"/>
         </a:xfrm>
         <a:prstGeom prst="line">
           <a:avLst/>
@@ -9450,8 +10016,8 @@
       </dsp:nvSpPr>
       <dsp:spPr>
         <a:xfrm>
-          <a:off x="0" y="1091"/>
-          <a:ext cx="8533164" cy="904120"/>
+          <a:off x="0" y="1199"/>
+          <a:ext cx="8733333" cy="993360"/>
         </a:xfrm>
         <a:prstGeom prst="rect">
           <a:avLst/>
@@ -9475,12 +10041,12 @@
         <a:fontRef idx="minor"/>
       </dsp:style>
       <dsp:txBody>
-        <a:bodyPr spcFirstLastPara="0" vert="horz" wrap="square" lIns="80010" tIns="80010" rIns="80010" bIns="80010" numCol="1" spcCol="1270" anchor="t" anchorCtr="0">
+        <a:bodyPr spcFirstLastPara="0" vert="horz" wrap="square" lIns="72390" tIns="72390" rIns="72390" bIns="72390" numCol="1" spcCol="1270" anchor="t" anchorCtr="0">
           <a:noAutofit/>
         </a:bodyPr>
         <a:lstStyle/>
         <a:p>
-          <a:pPr marL="0" lvl="0" indent="0" algn="l" defTabSz="933450">
+          <a:pPr marL="0" lvl="0" indent="0" algn="l" defTabSz="844550">
             <a:lnSpc>
               <a:spcPct val="90000"/>
             </a:lnSpc>
@@ -9493,14 +10059,18 @@
             <a:buNone/>
           </a:pPr>
           <a:r>
-            <a:rPr lang="en-US" sz="2100" kern="1200" dirty="0"/>
-            <a:t>Venture type funding is the most suitable Funding type for the company.</a:t>
+            <a:rPr lang="en-US" sz="1900" b="1" kern="1200" dirty="0"/>
+            <a:t>Venture type </a:t>
+          </a:r>
+          <a:r>
+            <a:rPr lang="en-US" sz="1900" kern="1200" dirty="0"/>
+            <a:t>funding is the most suitable Funding type for the company.</a:t>
           </a:r>
         </a:p>
       </dsp:txBody>
       <dsp:txXfrm>
-        <a:off x="0" y="1091"/>
-        <a:ext cx="8533164" cy="904120"/>
+        <a:off x="0" y="1199"/>
+        <a:ext cx="8733333" cy="993360"/>
       </dsp:txXfrm>
     </dsp:sp>
     <dsp:sp modelId="{EB9082D4-54BD-41D7-8D9C-6FE32E49DFFD}">
@@ -9510,8 +10080,8 @@
       </dsp:nvSpPr>
       <dsp:spPr>
         <a:xfrm>
-          <a:off x="0" y="905211"/>
-          <a:ext cx="11168742" cy="0"/>
+          <a:off x="0" y="994560"/>
+          <a:ext cx="11430735" cy="0"/>
         </a:xfrm>
         <a:prstGeom prst="line">
           <a:avLst/>
@@ -9598,8 +10168,68 @@
       </dsp:nvSpPr>
       <dsp:spPr>
         <a:xfrm>
-          <a:off x="0" y="905211"/>
-          <a:ext cx="2233748" cy="2012106"/>
+          <a:off x="0" y="994560"/>
+          <a:ext cx="2286147" cy="2210710"/>
+        </a:xfrm>
+        <a:prstGeom prst="rect">
+          <a:avLst/>
+        </a:prstGeom>
+        <a:noFill/>
+        <a:ln>
+          <a:noFill/>
+        </a:ln>
+        <a:effectLst/>
+      </dsp:spPr>
+      <dsp:style>
+        <a:lnRef idx="0">
+          <a:scrgbClr r="0" g="0" b="0"/>
+        </a:lnRef>
+        <a:fillRef idx="0">
+          <a:scrgbClr r="0" g="0" b="0"/>
+        </a:fillRef>
+        <a:effectRef idx="0">
+          <a:scrgbClr r="0" g="0" b="0"/>
+        </a:effectRef>
+        <a:fontRef idx="minor"/>
+      </dsp:style>
+      <dsp:txBody>
+        <a:bodyPr spcFirstLastPara="0" vert="horz" wrap="square" lIns="72390" tIns="72390" rIns="72390" bIns="72390" numCol="1" spcCol="1270" anchor="t" anchorCtr="0">
+          <a:noAutofit/>
+        </a:bodyPr>
+        <a:lstStyle/>
+        <a:p>
+          <a:pPr marL="0" lvl="0" indent="0" algn="l" defTabSz="844550">
+            <a:lnSpc>
+              <a:spcPct val="90000"/>
+            </a:lnSpc>
+            <a:spcBef>
+              <a:spcPct val="0"/>
+            </a:spcBef>
+            <a:spcAft>
+              <a:spcPct val="35000"/>
+            </a:spcAft>
+            <a:buNone/>
+          </a:pPr>
+          <a:r>
+            <a:rPr lang="en-US" sz="1900" kern="1200" dirty="0"/>
+            <a:t>The Top 3 English Speaking Countries recommended for Investment along with their Top Sectors  and Companies are:</a:t>
+          </a:r>
+        </a:p>
+      </dsp:txBody>
+      <dsp:txXfrm>
+        <a:off x="0" y="994560"/>
+        <a:ext cx="2286147" cy="2210710"/>
+      </dsp:txXfrm>
+    </dsp:sp>
+    <dsp:sp modelId="{2BFB351F-6C4C-4B20-98A1-A30474553719}">
+      <dsp:nvSpPr>
+        <dsp:cNvPr id="0" name=""/>
+        <dsp:cNvSpPr/>
+      </dsp:nvSpPr>
+      <dsp:spPr>
+        <a:xfrm>
+          <a:off x="2457608" y="1029102"/>
+          <a:ext cx="2875973" cy="690847"/>
         </a:xfrm>
         <a:prstGeom prst="rect">
           <a:avLst/>
@@ -9642,24 +10272,24 @@
           </a:pPr>
           <a:r>
             <a:rPr lang="en-US" sz="2100" kern="1200" dirty="0"/>
-            <a:t>The Top 3 English Speaking Countries for Investment along with their Top Sectors are:</a:t>
+            <a:t>1. USA</a:t>
           </a:r>
         </a:p>
       </dsp:txBody>
       <dsp:txXfrm>
-        <a:off x="0" y="905211"/>
-        <a:ext cx="2233748" cy="2012106"/>
+        <a:off x="2457608" y="1029102"/>
+        <a:ext cx="2875973" cy="690847"/>
       </dsp:txXfrm>
     </dsp:sp>
-    <dsp:sp modelId="{2BFB351F-6C4C-4B20-98A1-A30474553719}">
+    <dsp:sp modelId="{E9F279EE-D5E9-4FD7-AF06-823CE640FC1D}">
       <dsp:nvSpPr>
         <dsp:cNvPr id="0" name=""/>
         <dsp:cNvSpPr/>
       </dsp:nvSpPr>
       <dsp:spPr>
         <a:xfrm>
-          <a:off x="2401279" y="936650"/>
-          <a:ext cx="2810055" cy="628783"/>
+          <a:off x="5505042" y="1029102"/>
+          <a:ext cx="2875973" cy="230057"/>
         </a:xfrm>
         <a:prstGeom prst="rect">
           <a:avLst/>
@@ -9683,72 +10313,12 @@
         <a:fontRef idx="minor"/>
       </dsp:style>
       <dsp:txBody>
-        <a:bodyPr spcFirstLastPara="0" vert="horz" wrap="square" lIns="76200" tIns="76200" rIns="76200" bIns="76200" numCol="1" spcCol="1270" anchor="t" anchorCtr="0">
+        <a:bodyPr spcFirstLastPara="0" vert="horz" wrap="square" lIns="38100" tIns="38100" rIns="38100" bIns="38100" numCol="1" spcCol="1270" anchor="t" anchorCtr="0">
           <a:noAutofit/>
         </a:bodyPr>
         <a:lstStyle/>
         <a:p>
-          <a:pPr marL="0" lvl="0" indent="0" algn="l" defTabSz="889000">
-            <a:lnSpc>
-              <a:spcPct val="90000"/>
-            </a:lnSpc>
-            <a:spcBef>
-              <a:spcPct val="0"/>
-            </a:spcBef>
-            <a:spcAft>
-              <a:spcPct val="35000"/>
-            </a:spcAft>
-            <a:buNone/>
-          </a:pPr>
-          <a:r>
-            <a:rPr lang="en-US" sz="2000" kern="1200" dirty="0"/>
-            <a:t>1. USA</a:t>
-          </a:r>
-        </a:p>
-      </dsp:txBody>
-      <dsp:txXfrm>
-        <a:off x="2401279" y="936650"/>
-        <a:ext cx="2810055" cy="628783"/>
-      </dsp:txXfrm>
-    </dsp:sp>
-    <dsp:sp modelId="{E9F279EE-D5E9-4FD7-AF06-823CE640FC1D}">
-      <dsp:nvSpPr>
-        <dsp:cNvPr id="0" name=""/>
-        <dsp:cNvSpPr/>
-      </dsp:nvSpPr>
-      <dsp:spPr>
-        <a:xfrm>
-          <a:off x="5378866" y="936650"/>
-          <a:ext cx="2810055" cy="209389"/>
-        </a:xfrm>
-        <a:prstGeom prst="rect">
-          <a:avLst/>
-        </a:prstGeom>
-        <a:noFill/>
-        <a:ln>
-          <a:noFill/>
-        </a:ln>
-        <a:effectLst/>
-      </dsp:spPr>
-      <dsp:style>
-        <a:lnRef idx="0">
-          <a:scrgbClr r="0" g="0" b="0"/>
-        </a:lnRef>
-        <a:fillRef idx="0">
-          <a:scrgbClr r="0" g="0" b="0"/>
-        </a:fillRef>
-        <a:effectRef idx="0">
-          <a:scrgbClr r="0" g="0" b="0"/>
-        </a:effectRef>
-        <a:fontRef idx="minor"/>
-      </dsp:style>
-      <dsp:txBody>
-        <a:bodyPr spcFirstLastPara="0" vert="horz" wrap="square" lIns="34290" tIns="34290" rIns="34290" bIns="34290" numCol="1" spcCol="1270" anchor="t" anchorCtr="0">
-          <a:noAutofit/>
-        </a:bodyPr>
-        <a:lstStyle/>
-        <a:p>
-          <a:pPr marL="0" lvl="0" indent="0" algn="l" defTabSz="400050">
+          <a:pPr marL="0" lvl="0" indent="0" algn="l" defTabSz="444500">
             <a:lnSpc>
               <a:spcPct val="90000"/>
             </a:lnSpc>
@@ -9762,14 +10332,14 @@
             <a:buNone/>
           </a:pPr>
           <a:r>
-            <a:rPr lang="en-US" sz="900" kern="1200" dirty="0"/>
+            <a:rPr lang="en-US" sz="1000" kern="1200" dirty="0"/>
             <a:t>1. Others</a:t>
           </a:r>
         </a:p>
       </dsp:txBody>
       <dsp:txXfrm>
-        <a:off x="5378866" y="936650"/>
-        <a:ext cx="2810055" cy="209389"/>
+        <a:off x="5505042" y="1029102"/>
+        <a:ext cx="2875973" cy="230057"/>
       </dsp:txXfrm>
     </dsp:sp>
     <dsp:sp modelId="{A5F89D22-FDA4-43FF-AFC4-85EFC2119409}">
@@ -9779,8 +10349,8 @@
       </dsp:nvSpPr>
       <dsp:spPr>
         <a:xfrm>
-          <a:off x="8356452" y="936650"/>
-          <a:ext cx="2810055" cy="209389"/>
+          <a:off x="8552476" y="1029102"/>
+          <a:ext cx="2875973" cy="230057"/>
         </a:xfrm>
         <a:prstGeom prst="rect">
           <a:avLst/>
@@ -9804,12 +10374,12 @@
         <a:fontRef idx="minor"/>
       </dsp:style>
       <dsp:txBody>
-        <a:bodyPr spcFirstLastPara="0" vert="horz" wrap="square" lIns="34290" tIns="34290" rIns="34290" bIns="34290" numCol="1" spcCol="1270" anchor="t" anchorCtr="0">
+        <a:bodyPr spcFirstLastPara="0" vert="horz" wrap="square" lIns="41910" tIns="41910" rIns="41910" bIns="41910" numCol="1" spcCol="1270" anchor="t" anchorCtr="0">
           <a:noAutofit/>
         </a:bodyPr>
         <a:lstStyle/>
         <a:p>
-          <a:pPr marL="0" lvl="0" indent="0" algn="l" defTabSz="400050">
+          <a:pPr marL="0" lvl="0" indent="0" algn="l" defTabSz="466725">
             <a:lnSpc>
               <a:spcPct val="90000"/>
             </a:lnSpc>
@@ -9821,12 +10391,16 @@
             </a:spcAft>
             <a:buNone/>
           </a:pPr>
-          <a:endParaRPr lang="en-US" sz="900" kern="1200" dirty="0"/>
+          <a:r>
+            <a:rPr lang="en-US" sz="1050" b="1" i="0" kern="1200" dirty="0" err="1"/>
+            <a:t>virtustream</a:t>
+          </a:r>
+          <a:endParaRPr lang="en-US" sz="1050" kern="1200" dirty="0"/>
         </a:p>
       </dsp:txBody>
       <dsp:txXfrm>
-        <a:off x="8356452" y="936650"/>
-        <a:ext cx="2810055" cy="209389"/>
+        <a:off x="8552476" y="1029102"/>
+        <a:ext cx="2875973" cy="230057"/>
       </dsp:txXfrm>
     </dsp:sp>
     <dsp:sp modelId="{896DC137-AC80-4570-83C6-E73166D9D007}">
@@ -9836,8 +10410,8 @@
       </dsp:nvSpPr>
       <dsp:spPr>
         <a:xfrm>
-          <a:off x="5211335" y="1146040"/>
-          <a:ext cx="5955173" cy="0"/>
+          <a:off x="5333581" y="1259159"/>
+          <a:ext cx="6094868" cy="0"/>
         </a:xfrm>
         <a:prstGeom prst="line">
           <a:avLst/>
@@ -9886,8 +10460,8 @@
       </dsp:nvSpPr>
       <dsp:spPr>
         <a:xfrm>
-          <a:off x="5378866" y="1146040"/>
-          <a:ext cx="2810055" cy="209389"/>
+          <a:off x="5505042" y="1259159"/>
+          <a:ext cx="2875973" cy="230057"/>
         </a:xfrm>
         <a:prstGeom prst="rect">
           <a:avLst/>
@@ -9911,12 +10485,12 @@
         <a:fontRef idx="minor"/>
       </dsp:style>
       <dsp:txBody>
-        <a:bodyPr spcFirstLastPara="0" vert="horz" wrap="square" lIns="34290" tIns="34290" rIns="34290" bIns="34290" numCol="1" spcCol="1270" anchor="t" anchorCtr="0">
+        <a:bodyPr spcFirstLastPara="0" vert="horz" wrap="square" lIns="38100" tIns="38100" rIns="38100" bIns="38100" numCol="1" spcCol="1270" anchor="t" anchorCtr="0">
           <a:noAutofit/>
         </a:bodyPr>
         <a:lstStyle/>
         <a:p>
-          <a:pPr marL="0" lvl="0" indent="0" algn="l" defTabSz="400050">
+          <a:pPr marL="0" lvl="0" indent="0" algn="l" defTabSz="444500">
             <a:lnSpc>
               <a:spcPct val="90000"/>
             </a:lnSpc>
@@ -9929,14 +10503,95 @@
             <a:buNone/>
           </a:pPr>
           <a:r>
-            <a:rPr lang="en-US" sz="900" kern="1200" dirty="0"/>
+            <a:rPr lang="en-US" sz="1000" kern="1200" dirty="0"/>
             <a:t>2. Social, Finance, Analytics, Advertising</a:t>
           </a:r>
         </a:p>
       </dsp:txBody>
       <dsp:txXfrm>
-        <a:off x="5378866" y="1146040"/>
-        <a:ext cx="2810055" cy="209389"/>
+        <a:off x="5505042" y="1259159"/>
+        <a:ext cx="2875973" cy="230057"/>
+      </dsp:txXfrm>
+    </dsp:sp>
+    <dsp:sp modelId="{F081ACE4-1ED0-46D1-90C6-5709447388BA}">
+      <dsp:nvSpPr>
+        <dsp:cNvPr id="0" name=""/>
+        <dsp:cNvSpPr/>
+      </dsp:nvSpPr>
+      <dsp:spPr>
+        <a:xfrm>
+          <a:off x="8552476" y="1259159"/>
+          <a:ext cx="2875973" cy="230057"/>
+        </a:xfrm>
+        <a:prstGeom prst="rect">
+          <a:avLst/>
+        </a:prstGeom>
+        <a:noFill/>
+        <a:ln>
+          <a:noFill/>
+        </a:ln>
+        <a:effectLst/>
+      </dsp:spPr>
+      <dsp:style>
+        <a:lnRef idx="0">
+          <a:scrgbClr r="0" g="0" b="0"/>
+        </a:lnRef>
+        <a:fillRef idx="0">
+          <a:scrgbClr r="0" g="0" b="0"/>
+        </a:fillRef>
+        <a:effectRef idx="0">
+          <a:scrgbClr r="0" g="0" b="0"/>
+        </a:effectRef>
+        <a:fontRef idx="minor"/>
+      </dsp:style>
+      <dsp:txBody>
+        <a:bodyPr spcFirstLastPara="0" vert="horz" wrap="square" lIns="41910" tIns="41910" rIns="41910" bIns="41910" numCol="1" spcCol="1270" anchor="t" anchorCtr="0">
+          <a:noAutofit/>
+        </a:bodyPr>
+        <a:lstStyle/>
+        <a:p>
+          <a:pPr marL="0" lvl="0" indent="0" algn="l" defTabSz="466725">
+            <a:lnSpc>
+              <a:spcPct val="90000"/>
+            </a:lnSpc>
+            <a:spcBef>
+              <a:spcPct val="0"/>
+            </a:spcBef>
+            <a:spcAft>
+              <a:spcPct val="35000"/>
+            </a:spcAft>
+            <a:buNone/>
+          </a:pPr>
+          <a:r>
+            <a:rPr lang="en-US" sz="1050" b="1" i="0" kern="1200" dirty="0" err="1"/>
+            <a:t>sst</a:t>
+          </a:r>
+          <a:r>
+            <a:rPr lang="en-US" sz="1050" b="1" i="0" kern="1200" dirty="0"/>
+            <a:t> </a:t>
+          </a:r>
+          <a:r>
+            <a:rPr lang="en-US" sz="1050" b="1" i="0" kern="1200" dirty="0" err="1"/>
+            <a:t>inc.</a:t>
+          </a:r>
+          <a:r>
+            <a:rPr lang="en-US" sz="1050" b="1" i="0" kern="1200" dirty="0"/>
+            <a:t> (formerly </a:t>
+          </a:r>
+          <a:r>
+            <a:rPr lang="en-US" sz="1050" b="1" i="0" kern="1200" dirty="0" err="1"/>
+            <a:t>shotspotter</a:t>
+          </a:r>
+          <a:r>
+            <a:rPr lang="en-US" sz="1050" b="1" i="0" kern="1200" dirty="0"/>
+            <a:t>)</a:t>
+          </a:r>
+          <a:endParaRPr lang="en-US" sz="1050" kern="1200" dirty="0"/>
+        </a:p>
+      </dsp:txBody>
+      <dsp:txXfrm>
+        <a:off x="8552476" y="1259159"/>
+        <a:ext cx="2875973" cy="230057"/>
       </dsp:txXfrm>
     </dsp:sp>
     <dsp:sp modelId="{C6A1D7B1-8F6B-4666-A63B-EE284E7CA5CA}">
@@ -9946,8 +10601,8 @@
       </dsp:nvSpPr>
       <dsp:spPr>
         <a:xfrm>
-          <a:off x="5211335" y="1355430"/>
-          <a:ext cx="5955173" cy="0"/>
+          <a:off x="5333581" y="1489217"/>
+          <a:ext cx="6094868" cy="0"/>
         </a:xfrm>
         <a:prstGeom prst="line">
           <a:avLst/>
@@ -9996,8 +10651,8 @@
       </dsp:nvSpPr>
       <dsp:spPr>
         <a:xfrm>
-          <a:off x="5378866" y="1355430"/>
-          <a:ext cx="2810055" cy="209389"/>
+          <a:off x="5505042" y="1489217"/>
+          <a:ext cx="2875973" cy="230057"/>
         </a:xfrm>
         <a:prstGeom prst="rect">
           <a:avLst/>
@@ -10021,12 +10676,12 @@
         <a:fontRef idx="minor"/>
       </dsp:style>
       <dsp:txBody>
-        <a:bodyPr spcFirstLastPara="0" vert="horz" wrap="square" lIns="34290" tIns="34290" rIns="34290" bIns="34290" numCol="1" spcCol="1270" anchor="t" anchorCtr="0">
+        <a:bodyPr spcFirstLastPara="0" vert="horz" wrap="square" lIns="38100" tIns="38100" rIns="38100" bIns="38100" numCol="1" spcCol="1270" anchor="t" anchorCtr="0">
           <a:noAutofit/>
         </a:bodyPr>
         <a:lstStyle/>
         <a:p>
-          <a:pPr marL="0" lvl="0" indent="0" algn="l" defTabSz="400050">
+          <a:pPr marL="0" lvl="0" indent="0" algn="l" defTabSz="444500">
             <a:lnSpc>
               <a:spcPct val="90000"/>
             </a:lnSpc>
@@ -10039,14 +10694,79 @@
             <a:buNone/>
           </a:pPr>
           <a:r>
-            <a:rPr lang="en-US" sz="900" kern="1200" dirty="0"/>
+            <a:rPr lang="en-US" sz="1000" kern="1200" dirty="0"/>
             <a:t>3. Cleantech / Semiconductors</a:t>
           </a:r>
         </a:p>
       </dsp:txBody>
       <dsp:txXfrm>
-        <a:off x="5378866" y="1355430"/>
-        <a:ext cx="2810055" cy="209389"/>
+        <a:off x="5505042" y="1489217"/>
+        <a:ext cx="2875973" cy="230057"/>
+      </dsp:txXfrm>
+    </dsp:sp>
+    <dsp:sp modelId="{45A80A22-43E9-4AB7-AA03-3CDF2B0B7BD5}">
+      <dsp:nvSpPr>
+        <dsp:cNvPr id="0" name=""/>
+        <dsp:cNvSpPr/>
+      </dsp:nvSpPr>
+      <dsp:spPr>
+        <a:xfrm>
+          <a:off x="8552476" y="1489217"/>
+          <a:ext cx="2875973" cy="230057"/>
+        </a:xfrm>
+        <a:prstGeom prst="rect">
+          <a:avLst/>
+        </a:prstGeom>
+        <a:noFill/>
+        <a:ln>
+          <a:noFill/>
+        </a:ln>
+        <a:effectLst/>
+      </dsp:spPr>
+      <dsp:style>
+        <a:lnRef idx="0">
+          <a:scrgbClr r="0" g="0" b="0"/>
+        </a:lnRef>
+        <a:fillRef idx="0">
+          <a:scrgbClr r="0" g="0" b="0"/>
+        </a:fillRef>
+        <a:effectRef idx="0">
+          <a:scrgbClr r="0" g="0" b="0"/>
+        </a:effectRef>
+        <a:fontRef idx="minor"/>
+      </dsp:style>
+      <dsp:txBody>
+        <a:bodyPr spcFirstLastPara="0" vert="horz" wrap="square" lIns="41910" tIns="41910" rIns="41910" bIns="41910" numCol="1" spcCol="1270" anchor="t" anchorCtr="0">
+          <a:noAutofit/>
+        </a:bodyPr>
+        <a:lstStyle/>
+        <a:p>
+          <a:pPr marL="0" lvl="0" indent="0" algn="l" defTabSz="466725">
+            <a:lnSpc>
+              <a:spcPct val="90000"/>
+            </a:lnSpc>
+            <a:spcBef>
+              <a:spcPct val="0"/>
+            </a:spcBef>
+            <a:spcAft>
+              <a:spcPct val="35000"/>
+            </a:spcAft>
+            <a:buNone/>
+          </a:pPr>
+          <a:r>
+            <a:rPr lang="en-US" sz="1050" b="1" i="0" kern="1200" dirty="0" err="1"/>
+            <a:t>airspan</a:t>
+          </a:r>
+          <a:r>
+            <a:rPr lang="en-US" sz="1050" b="1" i="0" kern="1200" dirty="0"/>
+            <a:t> networks</a:t>
+          </a:r>
+          <a:endParaRPr lang="en-US" sz="1050" b="1" kern="1200" dirty="0"/>
+        </a:p>
+      </dsp:txBody>
+      <dsp:txXfrm>
+        <a:off x="8552476" y="1489217"/>
+        <a:ext cx="2875973" cy="230057"/>
       </dsp:txXfrm>
     </dsp:sp>
     <dsp:sp modelId="{B96BF1B0-DFD8-416C-B6DB-09C06FB50B89}">
@@ -10056,8 +10776,8 @@
       </dsp:nvSpPr>
       <dsp:spPr>
         <a:xfrm>
-          <a:off x="2233748" y="1565434"/>
-          <a:ext cx="8934993" cy="0"/>
+          <a:off x="2286147" y="1719949"/>
+          <a:ext cx="9144588" cy="0"/>
         </a:xfrm>
         <a:prstGeom prst="line">
           <a:avLst/>
@@ -10106,8 +10826,8 @@
       </dsp:nvSpPr>
       <dsp:spPr>
         <a:xfrm>
-          <a:off x="2401279" y="1596873"/>
-          <a:ext cx="2810055" cy="628783"/>
+          <a:off x="2457608" y="1754491"/>
+          <a:ext cx="2875973" cy="690847"/>
         </a:xfrm>
         <a:prstGeom prst="rect">
           <a:avLst/>
@@ -10131,12 +10851,12 @@
         <a:fontRef idx="minor"/>
       </dsp:style>
       <dsp:txBody>
-        <a:bodyPr spcFirstLastPara="0" vert="horz" wrap="square" lIns="76200" tIns="76200" rIns="76200" bIns="76200" numCol="1" spcCol="1270" anchor="t" anchorCtr="0">
+        <a:bodyPr spcFirstLastPara="0" vert="horz" wrap="square" lIns="80010" tIns="80010" rIns="80010" bIns="80010" numCol="1" spcCol="1270" anchor="t" anchorCtr="0">
           <a:noAutofit/>
         </a:bodyPr>
         <a:lstStyle/>
         <a:p>
-          <a:pPr marL="0" lvl="0" indent="0" algn="l" defTabSz="889000">
+          <a:pPr marL="0" lvl="0" indent="0" algn="l" defTabSz="933450">
             <a:lnSpc>
               <a:spcPct val="90000"/>
             </a:lnSpc>
@@ -10149,14 +10869,14 @@
             <a:buNone/>
           </a:pPr>
           <a:r>
-            <a:rPr lang="en-US" sz="2000" kern="1200" dirty="0"/>
+            <a:rPr lang="en-US" sz="2100" kern="1200" dirty="0"/>
             <a:t>2. GBR (United Kingdom)</a:t>
           </a:r>
         </a:p>
       </dsp:txBody>
       <dsp:txXfrm>
-        <a:off x="2401279" y="1596873"/>
-        <a:ext cx="2810055" cy="628783"/>
+        <a:off x="2457608" y="1754491"/>
+        <a:ext cx="2875973" cy="690847"/>
       </dsp:txXfrm>
     </dsp:sp>
     <dsp:sp modelId="{83F727BA-8971-49F9-A539-D2D8F2C5DADD}">
@@ -10166,8 +10886,8 @@
       </dsp:nvSpPr>
       <dsp:spPr>
         <a:xfrm>
-          <a:off x="5378866" y="1596873"/>
-          <a:ext cx="2810055" cy="209389"/>
+          <a:off x="5505042" y="1754491"/>
+          <a:ext cx="2875973" cy="230057"/>
         </a:xfrm>
         <a:prstGeom prst="rect">
           <a:avLst/>
@@ -10191,12 +10911,12 @@
         <a:fontRef idx="minor"/>
       </dsp:style>
       <dsp:txBody>
-        <a:bodyPr spcFirstLastPara="0" vert="horz" wrap="square" lIns="34290" tIns="34290" rIns="34290" bIns="34290" numCol="1" spcCol="1270" anchor="t" anchorCtr="0">
+        <a:bodyPr spcFirstLastPara="0" vert="horz" wrap="square" lIns="38100" tIns="38100" rIns="38100" bIns="38100" numCol="1" spcCol="1270" anchor="t" anchorCtr="0">
           <a:noAutofit/>
         </a:bodyPr>
         <a:lstStyle/>
         <a:p>
-          <a:pPr marL="0" lvl="0" indent="0" algn="l" defTabSz="400050">
+          <a:pPr marL="0" lvl="0" indent="0" algn="l" defTabSz="444500">
             <a:lnSpc>
               <a:spcPct val="90000"/>
             </a:lnSpc>
@@ -10210,14 +10930,86 @@
             <a:buNone/>
           </a:pPr>
           <a:r>
-            <a:rPr lang="en-US" sz="900" kern="1200" dirty="0"/>
+            <a:rPr lang="en-US" sz="1000" kern="1200" dirty="0"/>
             <a:t>1. Others</a:t>
           </a:r>
         </a:p>
       </dsp:txBody>
       <dsp:txXfrm>
-        <a:off x="5378866" y="1596873"/>
-        <a:ext cx="2810055" cy="209389"/>
+        <a:off x="5505042" y="1754491"/>
+        <a:ext cx="2875973" cy="230057"/>
+      </dsp:txXfrm>
+    </dsp:sp>
+    <dsp:sp modelId="{EE68CC83-86D5-45AB-914C-8D2D452712CC}">
+      <dsp:nvSpPr>
+        <dsp:cNvPr id="0" name=""/>
+        <dsp:cNvSpPr/>
+      </dsp:nvSpPr>
+      <dsp:spPr>
+        <a:xfrm>
+          <a:off x="8552476" y="1754491"/>
+          <a:ext cx="2875973" cy="230057"/>
+        </a:xfrm>
+        <a:prstGeom prst="rect">
+          <a:avLst/>
+        </a:prstGeom>
+        <a:noFill/>
+        <a:ln>
+          <a:noFill/>
+        </a:ln>
+        <a:effectLst/>
+      </dsp:spPr>
+      <dsp:style>
+        <a:lnRef idx="0">
+          <a:scrgbClr r="0" g="0" b="0"/>
+        </a:lnRef>
+        <a:fillRef idx="0">
+          <a:scrgbClr r="0" g="0" b="0"/>
+        </a:fillRef>
+        <a:effectRef idx="0">
+          <a:scrgbClr r="0" g="0" b="0"/>
+        </a:effectRef>
+        <a:fontRef idx="minor"/>
+      </dsp:style>
+      <dsp:txBody>
+        <a:bodyPr spcFirstLastPara="0" vert="horz" wrap="square" lIns="41910" tIns="41910" rIns="41910" bIns="41910" numCol="1" spcCol="1270" anchor="t" anchorCtr="0">
+          <a:noAutofit/>
+        </a:bodyPr>
+        <a:lstStyle/>
+        <a:p>
+          <a:pPr marL="0" lvl="0" indent="0" algn="l" defTabSz="466725">
+            <a:lnSpc>
+              <a:spcPct val="90000"/>
+            </a:lnSpc>
+            <a:spcBef>
+              <a:spcPct val="0"/>
+            </a:spcBef>
+            <a:spcAft>
+              <a:spcPct val="35000"/>
+            </a:spcAft>
+            <a:buNone/>
+          </a:pPr>
+          <a:r>
+            <a:rPr lang="en-US" sz="1050" b="1" i="0" kern="1200" dirty="0">
+              <a:solidFill>
+                <a:prstClr val="black">
+                  <a:hueOff val="0"/>
+                  <a:satOff val="0"/>
+                  <a:lumOff val="0"/>
+                  <a:alphaOff val="0"/>
+                </a:prstClr>
+              </a:solidFill>
+              <a:latin typeface="Calibri" panose="020F0502020204030204"/>
+              <a:ea typeface="+mn-ea"/>
+              <a:cs typeface="+mn-cs"/>
+            </a:rPr>
+            <a:t>electric cloud</a:t>
+          </a:r>
+        </a:p>
+      </dsp:txBody>
+      <dsp:txXfrm>
+        <a:off x="8552476" y="1754491"/>
+        <a:ext cx="2875973" cy="230057"/>
       </dsp:txXfrm>
     </dsp:sp>
     <dsp:sp modelId="{5F76A1A7-9605-47B0-A11A-C03D3CCDE89E}">
@@ -10227,8 +11019,8 @@
       </dsp:nvSpPr>
       <dsp:spPr>
         <a:xfrm>
-          <a:off x="5211335" y="1806263"/>
-          <a:ext cx="5955173" cy="0"/>
+          <a:off x="5333581" y="1984549"/>
+          <a:ext cx="6094868" cy="0"/>
         </a:xfrm>
         <a:prstGeom prst="line">
           <a:avLst/>
@@ -10277,8 +11069,8 @@
       </dsp:nvSpPr>
       <dsp:spPr>
         <a:xfrm>
-          <a:off x="5378866" y="1806263"/>
-          <a:ext cx="2810055" cy="209389"/>
+          <a:off x="5505042" y="1984549"/>
+          <a:ext cx="2875973" cy="230057"/>
         </a:xfrm>
         <a:prstGeom prst="rect">
           <a:avLst/>
@@ -10302,12 +11094,12 @@
         <a:fontRef idx="minor"/>
       </dsp:style>
       <dsp:txBody>
-        <a:bodyPr spcFirstLastPara="0" vert="horz" wrap="square" lIns="34290" tIns="34290" rIns="34290" bIns="34290" numCol="1" spcCol="1270" anchor="t" anchorCtr="0">
+        <a:bodyPr spcFirstLastPara="0" vert="horz" wrap="square" lIns="38100" tIns="38100" rIns="38100" bIns="38100" numCol="1" spcCol="1270" anchor="t" anchorCtr="0">
           <a:noAutofit/>
         </a:bodyPr>
         <a:lstStyle/>
         <a:p>
-          <a:pPr marL="0" lvl="0" indent="0" algn="l" defTabSz="400050">
+          <a:pPr marL="0" lvl="0" indent="0" algn="l" defTabSz="444500">
             <a:lnSpc>
               <a:spcPct val="90000"/>
             </a:lnSpc>
@@ -10320,14 +11112,102 @@
             <a:buNone/>
           </a:pPr>
           <a:r>
-            <a:rPr lang="en-US" sz="900" kern="1200" dirty="0"/>
+            <a:rPr lang="en-US" sz="1000" kern="1200" dirty="0"/>
             <a:t>2. Social, Finance, Analytics, Advertising</a:t>
           </a:r>
         </a:p>
       </dsp:txBody>
       <dsp:txXfrm>
-        <a:off x="5378866" y="1806263"/>
-        <a:ext cx="2810055" cy="209389"/>
+        <a:off x="5505042" y="1984549"/>
+        <a:ext cx="2875973" cy="230057"/>
+      </dsp:txXfrm>
+    </dsp:sp>
+    <dsp:sp modelId="{593C7A4B-235D-47C3-AFFA-9CBBFB8BAAFC}">
+      <dsp:nvSpPr>
+        <dsp:cNvPr id="0" name=""/>
+        <dsp:cNvSpPr/>
+      </dsp:nvSpPr>
+      <dsp:spPr>
+        <a:xfrm>
+          <a:off x="8552476" y="1984549"/>
+          <a:ext cx="2875973" cy="230057"/>
+        </a:xfrm>
+        <a:prstGeom prst="rect">
+          <a:avLst/>
+        </a:prstGeom>
+        <a:noFill/>
+        <a:ln>
+          <a:noFill/>
+        </a:ln>
+        <a:effectLst/>
+      </dsp:spPr>
+      <dsp:style>
+        <a:lnRef idx="0">
+          <a:scrgbClr r="0" g="0" b="0"/>
+        </a:lnRef>
+        <a:fillRef idx="0">
+          <a:scrgbClr r="0" g="0" b="0"/>
+        </a:fillRef>
+        <a:effectRef idx="0">
+          <a:scrgbClr r="0" g="0" b="0"/>
+        </a:effectRef>
+        <a:fontRef idx="minor"/>
+      </dsp:style>
+      <dsp:txBody>
+        <a:bodyPr spcFirstLastPara="0" vert="horz" wrap="square" lIns="41910" tIns="41910" rIns="41910" bIns="41910" numCol="1" spcCol="1270" anchor="t" anchorCtr="0">
+          <a:noAutofit/>
+        </a:bodyPr>
+        <a:lstStyle/>
+        <a:p>
+          <a:pPr marL="0" lvl="0" indent="0" algn="l" defTabSz="466725">
+            <a:lnSpc>
+              <a:spcPct val="90000"/>
+            </a:lnSpc>
+            <a:spcBef>
+              <a:spcPct val="0"/>
+            </a:spcBef>
+            <a:spcAft>
+              <a:spcPct val="35000"/>
+            </a:spcAft>
+            <a:buNone/>
+          </a:pPr>
+          <a:r>
+            <a:rPr lang="en-US" sz="1050" b="1" i="0" kern="1200" dirty="0" err="1">
+              <a:solidFill>
+                <a:prstClr val="black">
+                  <a:hueOff val="0"/>
+                  <a:satOff val="0"/>
+                  <a:lumOff val="0"/>
+                  <a:alphaOff val="0"/>
+                </a:prstClr>
+              </a:solidFill>
+              <a:latin typeface="Calibri" panose="020F0502020204030204"/>
+              <a:ea typeface="+mn-ea"/>
+              <a:cs typeface="+mn-cs"/>
+            </a:rPr>
+            <a:t>celltick</a:t>
+          </a:r>
+          <a:r>
+            <a:rPr lang="en-US" sz="1050" b="1" i="0" kern="1200" dirty="0">
+              <a:solidFill>
+                <a:prstClr val="black">
+                  <a:hueOff val="0"/>
+                  <a:satOff val="0"/>
+                  <a:lumOff val="0"/>
+                  <a:alphaOff val="0"/>
+                </a:prstClr>
+              </a:solidFill>
+              <a:latin typeface="Calibri" panose="020F0502020204030204"/>
+              <a:ea typeface="+mn-ea"/>
+              <a:cs typeface="+mn-cs"/>
+            </a:rPr>
+            <a:t> technologies</a:t>
+          </a:r>
+        </a:p>
+      </dsp:txBody>
+      <dsp:txXfrm>
+        <a:off x="8552476" y="1984549"/>
+        <a:ext cx="2875973" cy="230057"/>
       </dsp:txXfrm>
     </dsp:sp>
     <dsp:sp modelId="{CE790027-9C65-438A-99F4-645A0CCF3BA3}">
@@ -10337,8 +11217,8 @@
       </dsp:nvSpPr>
       <dsp:spPr>
         <a:xfrm>
-          <a:off x="5211335" y="2015652"/>
-          <a:ext cx="5955173" cy="0"/>
+          <a:off x="5333581" y="2214606"/>
+          <a:ext cx="6094868" cy="0"/>
         </a:xfrm>
         <a:prstGeom prst="line">
           <a:avLst/>
@@ -10387,8 +11267,8 @@
       </dsp:nvSpPr>
       <dsp:spPr>
         <a:xfrm>
-          <a:off x="5378866" y="2015652"/>
-          <a:ext cx="2810055" cy="209389"/>
+          <a:off x="5505042" y="2214606"/>
+          <a:ext cx="2875973" cy="230057"/>
         </a:xfrm>
         <a:prstGeom prst="rect">
           <a:avLst/>
@@ -10412,12 +11292,12 @@
         <a:fontRef idx="minor"/>
       </dsp:style>
       <dsp:txBody>
-        <a:bodyPr spcFirstLastPara="0" vert="horz" wrap="square" lIns="34290" tIns="34290" rIns="34290" bIns="34290" numCol="1" spcCol="1270" anchor="t" anchorCtr="0">
+        <a:bodyPr spcFirstLastPara="0" vert="horz" wrap="square" lIns="38100" tIns="38100" rIns="38100" bIns="38100" numCol="1" spcCol="1270" anchor="t" anchorCtr="0">
           <a:noAutofit/>
         </a:bodyPr>
         <a:lstStyle/>
         <a:p>
-          <a:pPr marL="0" lvl="0" indent="0" algn="l" defTabSz="400050">
+          <a:pPr marL="0" lvl="0" indent="0" algn="l" defTabSz="444500">
             <a:lnSpc>
               <a:spcPct val="90000"/>
             </a:lnSpc>
@@ -10430,14 +11310,79 @@
             <a:buNone/>
           </a:pPr>
           <a:r>
-            <a:rPr lang="en-US" sz="900" kern="1200" dirty="0"/>
+            <a:rPr lang="en-US" sz="1000" kern="1200" dirty="0"/>
             <a:t>3. Cleantech / Semiconductors</a:t>
           </a:r>
         </a:p>
       </dsp:txBody>
       <dsp:txXfrm>
-        <a:off x="5378866" y="2015652"/>
-        <a:ext cx="2810055" cy="209389"/>
+        <a:off x="5505042" y="2214606"/>
+        <a:ext cx="2875973" cy="230057"/>
+      </dsp:txXfrm>
+    </dsp:sp>
+    <dsp:sp modelId="{330AD9D5-D2B5-4C02-94E6-79D82B8A97A1}">
+      <dsp:nvSpPr>
+        <dsp:cNvPr id="0" name=""/>
+        <dsp:cNvSpPr/>
+      </dsp:nvSpPr>
+      <dsp:spPr>
+        <a:xfrm>
+          <a:off x="8552476" y="2214606"/>
+          <a:ext cx="2875973" cy="230057"/>
+        </a:xfrm>
+        <a:prstGeom prst="rect">
+          <a:avLst/>
+        </a:prstGeom>
+        <a:noFill/>
+        <a:ln>
+          <a:noFill/>
+        </a:ln>
+        <a:effectLst/>
+      </dsp:spPr>
+      <dsp:style>
+        <a:lnRef idx="0">
+          <a:scrgbClr r="0" g="0" b="0"/>
+        </a:lnRef>
+        <a:fillRef idx="0">
+          <a:scrgbClr r="0" g="0" b="0"/>
+        </a:fillRef>
+        <a:effectRef idx="0">
+          <a:scrgbClr r="0" g="0" b="0"/>
+        </a:effectRef>
+        <a:fontRef idx="minor"/>
+      </dsp:style>
+      <dsp:txBody>
+        <a:bodyPr spcFirstLastPara="0" vert="horz" wrap="square" lIns="41910" tIns="41910" rIns="41910" bIns="41910" numCol="1" spcCol="1270" anchor="t" anchorCtr="0">
+          <a:noAutofit/>
+        </a:bodyPr>
+        <a:lstStyle/>
+        <a:p>
+          <a:pPr marL="0" lvl="0" indent="0" algn="l" defTabSz="466725">
+            <a:lnSpc>
+              <a:spcPct val="90000"/>
+            </a:lnSpc>
+            <a:spcBef>
+              <a:spcPct val="0"/>
+            </a:spcBef>
+            <a:spcAft>
+              <a:spcPct val="35000"/>
+            </a:spcAft>
+            <a:buNone/>
+          </a:pPr>
+          <a:r>
+            <a:rPr lang="en-US" sz="1050" b="1" i="0" kern="1200" dirty="0" err="1"/>
+            <a:t>eusa</a:t>
+          </a:r>
+          <a:r>
+            <a:rPr lang="en-US" sz="1050" b="1" i="0" kern="1200" dirty="0"/>
+            <a:t> pharma</a:t>
+          </a:r>
+          <a:endParaRPr lang="en-US" sz="1050" kern="1200" dirty="0"/>
+        </a:p>
+      </dsp:txBody>
+      <dsp:txXfrm>
+        <a:off x="8552476" y="2214606"/>
+        <a:ext cx="2875973" cy="230057"/>
       </dsp:txXfrm>
     </dsp:sp>
     <dsp:sp modelId="{102684B5-A09A-4CF1-A486-28509B60641E}">
@@ -10447,8 +11392,8 @@
       </dsp:nvSpPr>
       <dsp:spPr>
         <a:xfrm>
-          <a:off x="2233748" y="2225656"/>
-          <a:ext cx="8934993" cy="0"/>
+          <a:off x="2286147" y="2445338"/>
+          <a:ext cx="9144588" cy="0"/>
         </a:xfrm>
         <a:prstGeom prst="line">
           <a:avLst/>
@@ -10497,8 +11442,8 @@
       </dsp:nvSpPr>
       <dsp:spPr>
         <a:xfrm>
-          <a:off x="2401279" y="2257095"/>
-          <a:ext cx="2810055" cy="628783"/>
+          <a:off x="2457608" y="2479881"/>
+          <a:ext cx="2875973" cy="690847"/>
         </a:xfrm>
         <a:prstGeom prst="rect">
           <a:avLst/>
@@ -10522,12 +11467,12 @@
         <a:fontRef idx="minor"/>
       </dsp:style>
       <dsp:txBody>
-        <a:bodyPr spcFirstLastPara="0" vert="horz" wrap="square" lIns="76200" tIns="76200" rIns="76200" bIns="76200" numCol="1" spcCol="1270" anchor="t" anchorCtr="0">
+        <a:bodyPr spcFirstLastPara="0" vert="horz" wrap="square" lIns="80010" tIns="80010" rIns="80010" bIns="80010" numCol="1" spcCol="1270" anchor="t" anchorCtr="0">
           <a:noAutofit/>
         </a:bodyPr>
         <a:lstStyle/>
         <a:p>
-          <a:pPr marL="0" lvl="0" indent="0" algn="l" defTabSz="889000">
+          <a:pPr marL="0" lvl="0" indent="0" algn="l" defTabSz="933450">
             <a:lnSpc>
               <a:spcPct val="90000"/>
             </a:lnSpc>
@@ -10540,14 +11485,14 @@
             <a:buNone/>
           </a:pPr>
           <a:r>
-            <a:rPr lang="en-US" sz="2000" kern="1200" dirty="0"/>
+            <a:rPr lang="en-US" sz="2100" kern="1200" dirty="0"/>
             <a:t>3. India</a:t>
           </a:r>
         </a:p>
       </dsp:txBody>
       <dsp:txXfrm>
-        <a:off x="2401279" y="2257095"/>
-        <a:ext cx="2810055" cy="628783"/>
+        <a:off x="2457608" y="2479881"/>
+        <a:ext cx="2875973" cy="690847"/>
       </dsp:txXfrm>
     </dsp:sp>
     <dsp:sp modelId="{43E72FB3-57EF-4139-9686-196F9FB00B47}">
@@ -10557,8 +11502,8 @@
       </dsp:nvSpPr>
       <dsp:spPr>
         <a:xfrm>
-          <a:off x="5378866" y="2257095"/>
-          <a:ext cx="2810055" cy="209389"/>
+          <a:off x="5505042" y="2479881"/>
+          <a:ext cx="2875973" cy="230057"/>
         </a:xfrm>
         <a:prstGeom prst="rect">
           <a:avLst/>
@@ -10582,12 +11527,12 @@
         <a:fontRef idx="minor"/>
       </dsp:style>
       <dsp:txBody>
-        <a:bodyPr spcFirstLastPara="0" vert="horz" wrap="square" lIns="34290" tIns="34290" rIns="34290" bIns="34290" numCol="1" spcCol="1270" anchor="t" anchorCtr="0">
+        <a:bodyPr spcFirstLastPara="0" vert="horz" wrap="square" lIns="38100" tIns="38100" rIns="38100" bIns="38100" numCol="1" spcCol="1270" anchor="t" anchorCtr="0">
           <a:noAutofit/>
         </a:bodyPr>
         <a:lstStyle/>
         <a:p>
-          <a:pPr marL="0" lvl="0" indent="0" algn="l" defTabSz="400050">
+          <a:pPr marL="0" lvl="0" indent="0" algn="l" defTabSz="444500">
             <a:lnSpc>
               <a:spcPct val="90000"/>
             </a:lnSpc>
@@ -10600,14 +11545,75 @@
             <a:buNone/>
           </a:pPr>
           <a:r>
-            <a:rPr lang="en-US" sz="900" kern="1200" dirty="0"/>
+            <a:rPr lang="en-US" sz="1000" kern="1200" dirty="0"/>
             <a:t>1. Others</a:t>
           </a:r>
         </a:p>
       </dsp:txBody>
       <dsp:txXfrm>
-        <a:off x="5378866" y="2257095"/>
-        <a:ext cx="2810055" cy="209389"/>
+        <a:off x="5505042" y="2479881"/>
+        <a:ext cx="2875973" cy="230057"/>
+      </dsp:txXfrm>
+    </dsp:sp>
+    <dsp:sp modelId="{FAFE4D4B-93AF-4C7E-84F4-820CF474FD45}">
+      <dsp:nvSpPr>
+        <dsp:cNvPr id="0" name=""/>
+        <dsp:cNvSpPr/>
+      </dsp:nvSpPr>
+      <dsp:spPr>
+        <a:xfrm>
+          <a:off x="8552476" y="2479881"/>
+          <a:ext cx="2875973" cy="230057"/>
+        </a:xfrm>
+        <a:prstGeom prst="rect">
+          <a:avLst/>
+        </a:prstGeom>
+        <a:noFill/>
+        <a:ln>
+          <a:noFill/>
+        </a:ln>
+        <a:effectLst/>
+      </dsp:spPr>
+      <dsp:style>
+        <a:lnRef idx="0">
+          <a:scrgbClr r="0" g="0" b="0"/>
+        </a:lnRef>
+        <a:fillRef idx="0">
+          <a:scrgbClr r="0" g="0" b="0"/>
+        </a:fillRef>
+        <a:effectRef idx="0">
+          <a:scrgbClr r="0" g="0" b="0"/>
+        </a:effectRef>
+        <a:fontRef idx="minor"/>
+      </dsp:style>
+      <dsp:txBody>
+        <a:bodyPr spcFirstLastPara="0" vert="horz" wrap="square" lIns="41910" tIns="41910" rIns="41910" bIns="41910" numCol="1" spcCol="1270" anchor="t" anchorCtr="0">
+          <a:noAutofit/>
+        </a:bodyPr>
+        <a:lstStyle/>
+        <a:p>
+          <a:pPr marL="0" lvl="0" indent="0" algn="l" defTabSz="466725">
+            <a:lnSpc>
+              <a:spcPct val="90000"/>
+            </a:lnSpc>
+            <a:spcBef>
+              <a:spcPct val="0"/>
+            </a:spcBef>
+            <a:spcAft>
+              <a:spcPct val="35000"/>
+            </a:spcAft>
+            <a:buNone/>
+          </a:pPr>
+          <a:r>
+            <a:rPr lang="en-US" sz="1050" b="1" i="0" kern="1200" dirty="0"/>
+            <a:t>firstcry.com</a:t>
+          </a:r>
+          <a:endParaRPr lang="en-US" sz="1050" kern="1200" dirty="0"/>
+        </a:p>
+      </dsp:txBody>
+      <dsp:txXfrm>
+        <a:off x="8552476" y="2479881"/>
+        <a:ext cx="2875973" cy="230057"/>
       </dsp:txXfrm>
     </dsp:sp>
     <dsp:sp modelId="{8198F011-D2C0-4E37-914F-900C5FC3C405}">
@@ -10617,8 +11623,8 @@
       </dsp:nvSpPr>
       <dsp:spPr>
         <a:xfrm>
-          <a:off x="5211335" y="2466485"/>
-          <a:ext cx="5955173" cy="0"/>
+          <a:off x="5333581" y="2709938"/>
+          <a:ext cx="6094868" cy="0"/>
         </a:xfrm>
         <a:prstGeom prst="line">
           <a:avLst/>
@@ -10667,8 +11673,8 @@
       </dsp:nvSpPr>
       <dsp:spPr>
         <a:xfrm>
-          <a:off x="5378866" y="2466485"/>
-          <a:ext cx="2810055" cy="209389"/>
+          <a:off x="5505042" y="2709938"/>
+          <a:ext cx="2875973" cy="230057"/>
         </a:xfrm>
         <a:prstGeom prst="rect">
           <a:avLst/>
@@ -10692,12 +11698,12 @@
         <a:fontRef idx="minor"/>
       </dsp:style>
       <dsp:txBody>
-        <a:bodyPr spcFirstLastPara="0" vert="horz" wrap="square" lIns="34290" tIns="34290" rIns="34290" bIns="34290" numCol="1" spcCol="1270" anchor="t" anchorCtr="0">
+        <a:bodyPr spcFirstLastPara="0" vert="horz" wrap="square" lIns="38100" tIns="38100" rIns="38100" bIns="38100" numCol="1" spcCol="1270" anchor="t" anchorCtr="0">
           <a:noAutofit/>
         </a:bodyPr>
         <a:lstStyle/>
         <a:p>
-          <a:pPr marL="0" lvl="0" indent="0" algn="l" defTabSz="400050">
+          <a:pPr marL="0" lvl="0" indent="0" algn="l" defTabSz="444500">
             <a:lnSpc>
               <a:spcPct val="90000"/>
             </a:lnSpc>
@@ -10710,14 +11716,79 @@
             <a:buNone/>
           </a:pPr>
           <a:r>
-            <a:rPr lang="en-US" sz="900" kern="1200" dirty="0"/>
+            <a:rPr lang="en-US" sz="1000" kern="1200" dirty="0"/>
             <a:t>2. Social, Finance, Analytics, Advertising</a:t>
           </a:r>
         </a:p>
       </dsp:txBody>
       <dsp:txXfrm>
-        <a:off x="5378866" y="2466485"/>
-        <a:ext cx="2810055" cy="209389"/>
+        <a:off x="5505042" y="2709938"/>
+        <a:ext cx="2875973" cy="230057"/>
+      </dsp:txXfrm>
+    </dsp:sp>
+    <dsp:sp modelId="{976A95F4-54E6-4669-8C60-DE5D4FE3B3E1}">
+      <dsp:nvSpPr>
+        <dsp:cNvPr id="0" name=""/>
+        <dsp:cNvSpPr/>
+      </dsp:nvSpPr>
+      <dsp:spPr>
+        <a:xfrm>
+          <a:off x="8552476" y="2709938"/>
+          <a:ext cx="2875973" cy="230057"/>
+        </a:xfrm>
+        <a:prstGeom prst="rect">
+          <a:avLst/>
+        </a:prstGeom>
+        <a:noFill/>
+        <a:ln>
+          <a:noFill/>
+        </a:ln>
+        <a:effectLst/>
+      </dsp:spPr>
+      <dsp:style>
+        <a:lnRef idx="0">
+          <a:scrgbClr r="0" g="0" b="0"/>
+        </a:lnRef>
+        <a:fillRef idx="0">
+          <a:scrgbClr r="0" g="0" b="0"/>
+        </a:fillRef>
+        <a:effectRef idx="0">
+          <a:scrgbClr r="0" g="0" b="0"/>
+        </a:effectRef>
+        <a:fontRef idx="minor"/>
+      </dsp:style>
+      <dsp:txBody>
+        <a:bodyPr spcFirstLastPara="0" vert="horz" wrap="square" lIns="41910" tIns="41910" rIns="41910" bIns="41910" numCol="1" spcCol="1270" anchor="t" anchorCtr="0">
+          <a:noAutofit/>
+        </a:bodyPr>
+        <a:lstStyle/>
+        <a:p>
+          <a:pPr marL="0" lvl="0" indent="0" algn="l" defTabSz="466725">
+            <a:lnSpc>
+              <a:spcPct val="90000"/>
+            </a:lnSpc>
+            <a:spcBef>
+              <a:spcPct val="0"/>
+            </a:spcBef>
+            <a:spcAft>
+              <a:spcPct val="35000"/>
+            </a:spcAft>
+            <a:buNone/>
+          </a:pPr>
+          <a:r>
+            <a:rPr lang="en-US" sz="1050" b="1" i="0" kern="1200" dirty="0" err="1"/>
+            <a:t>manthan</a:t>
+          </a:r>
+          <a:r>
+            <a:rPr lang="en-US" sz="1050" b="1" i="0" kern="1200" dirty="0"/>
+            <a:t> systems</a:t>
+          </a:r>
+          <a:endParaRPr lang="en-US" sz="1050" b="1" kern="1200" dirty="0"/>
+        </a:p>
+      </dsp:txBody>
+      <dsp:txXfrm>
+        <a:off x="8552476" y="2709938"/>
+        <a:ext cx="2875973" cy="230057"/>
       </dsp:txXfrm>
     </dsp:sp>
     <dsp:sp modelId="{4BDB3CC5-8724-44C3-A630-91C6DCDE03B6}">
@@ -10727,8 +11798,8 @@
       </dsp:nvSpPr>
       <dsp:spPr>
         <a:xfrm>
-          <a:off x="5211335" y="2675875"/>
-          <a:ext cx="5955173" cy="0"/>
+          <a:off x="5333581" y="2939996"/>
+          <a:ext cx="6094868" cy="0"/>
         </a:xfrm>
         <a:prstGeom prst="line">
           <a:avLst/>
@@ -10777,8 +11848,8 @@
       </dsp:nvSpPr>
       <dsp:spPr>
         <a:xfrm>
-          <a:off x="5378866" y="2675875"/>
-          <a:ext cx="2810055" cy="209389"/>
+          <a:off x="5505042" y="2939996"/>
+          <a:ext cx="2875973" cy="230057"/>
         </a:xfrm>
         <a:prstGeom prst="rect">
           <a:avLst/>
@@ -10802,12 +11873,12 @@
         <a:fontRef idx="minor"/>
       </dsp:style>
       <dsp:txBody>
-        <a:bodyPr spcFirstLastPara="0" vert="horz" wrap="square" lIns="34290" tIns="34290" rIns="34290" bIns="34290" numCol="1" spcCol="1270" anchor="t" anchorCtr="0">
+        <a:bodyPr spcFirstLastPara="0" vert="horz" wrap="square" lIns="38100" tIns="38100" rIns="38100" bIns="38100" numCol="1" spcCol="1270" anchor="t" anchorCtr="0">
           <a:noAutofit/>
         </a:bodyPr>
         <a:lstStyle/>
         <a:p>
-          <a:pPr marL="0" lvl="0" indent="0" algn="l" defTabSz="400050">
+          <a:pPr marL="0" lvl="0" indent="0" algn="l" defTabSz="444500">
             <a:lnSpc>
               <a:spcPct val="90000"/>
             </a:lnSpc>
@@ -10820,14 +11891,75 @@
             <a:buNone/>
           </a:pPr>
           <a:r>
-            <a:rPr lang="en-US" sz="900" kern="1200" dirty="0"/>
+            <a:rPr lang="en-US" sz="1000" kern="1200" dirty="0"/>
             <a:t>3. News, Search and Messaging</a:t>
           </a:r>
         </a:p>
       </dsp:txBody>
       <dsp:txXfrm>
-        <a:off x="5378866" y="2675875"/>
-        <a:ext cx="2810055" cy="209389"/>
+        <a:off x="5505042" y="2939996"/>
+        <a:ext cx="2875973" cy="230057"/>
+      </dsp:txXfrm>
+    </dsp:sp>
+    <dsp:sp modelId="{0AE52FD6-7F46-46A1-89C6-3AF1A78ABB54}">
+      <dsp:nvSpPr>
+        <dsp:cNvPr id="0" name=""/>
+        <dsp:cNvSpPr/>
+      </dsp:nvSpPr>
+      <dsp:spPr>
+        <a:xfrm>
+          <a:off x="8552476" y="2939996"/>
+          <a:ext cx="2875973" cy="230057"/>
+        </a:xfrm>
+        <a:prstGeom prst="rect">
+          <a:avLst/>
+        </a:prstGeom>
+        <a:noFill/>
+        <a:ln>
+          <a:noFill/>
+        </a:ln>
+        <a:effectLst/>
+      </dsp:spPr>
+      <dsp:style>
+        <a:lnRef idx="0">
+          <a:scrgbClr r="0" g="0" b="0"/>
+        </a:lnRef>
+        <a:fillRef idx="0">
+          <a:scrgbClr r="0" g="0" b="0"/>
+        </a:fillRef>
+        <a:effectRef idx="0">
+          <a:scrgbClr r="0" g="0" b="0"/>
+        </a:effectRef>
+        <a:fontRef idx="minor"/>
+      </dsp:style>
+      <dsp:txBody>
+        <a:bodyPr spcFirstLastPara="0" vert="horz" wrap="square" lIns="41910" tIns="41910" rIns="41910" bIns="41910" numCol="1" spcCol="1270" anchor="t" anchorCtr="0">
+          <a:noAutofit/>
+        </a:bodyPr>
+        <a:lstStyle/>
+        <a:p>
+          <a:pPr marL="0" lvl="0" indent="0" algn="l" defTabSz="466725">
+            <a:lnSpc>
+              <a:spcPct val="90000"/>
+            </a:lnSpc>
+            <a:spcBef>
+              <a:spcPct val="0"/>
+            </a:spcBef>
+            <a:spcAft>
+              <a:spcPct val="35000"/>
+            </a:spcAft>
+            <a:buNone/>
+          </a:pPr>
+          <a:r>
+            <a:rPr lang="en-US" sz="1050" b="1" kern="1200" dirty="0" err="1"/>
+            <a:t>gupshup</a:t>
+          </a:r>
+          <a:endParaRPr lang="en-US" sz="1050" b="1" kern="1200" dirty="0"/>
+        </a:p>
+      </dsp:txBody>
+      <dsp:txXfrm>
+        <a:off x="8552476" y="2939996"/>
+        <a:ext cx="2875973" cy="230057"/>
       </dsp:txXfrm>
     </dsp:sp>
     <dsp:sp modelId="{27E6E512-074A-4689-AF9F-7CB5CC318EA2}">
@@ -10837,8 +11969,8 @@
       </dsp:nvSpPr>
       <dsp:spPr>
         <a:xfrm>
-          <a:off x="2233748" y="2885879"/>
-          <a:ext cx="8934993" cy="0"/>
+          <a:off x="2286147" y="3170728"/>
+          <a:ext cx="9144588" cy="0"/>
         </a:xfrm>
         <a:prstGeom prst="line">
           <a:avLst/>
@@ -15267,7 +16399,7 @@
           <a:p>
             <a:fld id="{2E309023-AF2B-4043-B228-F191CADC9BB1}" type="datetimeFigureOut">
               <a:rPr lang="en-IN" smtClean="0"/>
-              <a:t>20-09-2020</a:t>
+              <a:t>27-09-2020</a:t>
             </a:fld>
             <a:endParaRPr lang="en-IN"/>
           </a:p>
@@ -15666,7 +16798,7 @@
           <a:p>
             <a:fld id="{70C018FE-C8D6-4A9C-A702-41F1E0C1C452}" type="datetimeFigureOut">
               <a:rPr lang="en-IN" smtClean="0"/>
-              <a:t>20-09-2020</a:t>
+              <a:t>27-09-2020</a:t>
             </a:fld>
             <a:endParaRPr lang="en-IN"/>
           </a:p>
@@ -15836,7 +16968,7 @@
           <a:p>
             <a:fld id="{70C018FE-C8D6-4A9C-A702-41F1E0C1C452}" type="datetimeFigureOut">
               <a:rPr lang="en-IN" smtClean="0"/>
-              <a:t>20-09-2020</a:t>
+              <a:t>27-09-2020</a:t>
             </a:fld>
             <a:endParaRPr lang="en-IN"/>
           </a:p>
@@ -16016,7 +17148,7 @@
           <a:p>
             <a:fld id="{70C018FE-C8D6-4A9C-A702-41F1E0C1C452}" type="datetimeFigureOut">
               <a:rPr lang="en-IN" smtClean="0"/>
-              <a:t>20-09-2020</a:t>
+              <a:t>27-09-2020</a:t>
             </a:fld>
             <a:endParaRPr lang="en-IN"/>
           </a:p>
@@ -16448,7 +17580,7 @@
           <a:p>
             <a:fld id="{70C018FE-C8D6-4A9C-A702-41F1E0C1C452}" type="datetimeFigureOut">
               <a:rPr lang="en-IN" smtClean="0"/>
-              <a:t>20-09-2020</a:t>
+              <a:t>27-09-2020</a:t>
             </a:fld>
             <a:endParaRPr lang="en-IN"/>
           </a:p>
@@ -16680,7 +17812,7 @@
           <a:p>
             <a:fld id="{70C018FE-C8D6-4A9C-A702-41F1E0C1C452}" type="datetimeFigureOut">
               <a:rPr lang="en-IN" smtClean="0"/>
-              <a:t>20-09-2020</a:t>
+              <a:t>27-09-2020</a:t>
             </a:fld>
             <a:endParaRPr lang="en-IN"/>
           </a:p>
@@ -17047,7 +18179,7 @@
           <a:p>
             <a:fld id="{70C018FE-C8D6-4A9C-A702-41F1E0C1C452}" type="datetimeFigureOut">
               <a:rPr lang="en-IN" smtClean="0"/>
-              <a:t>20-09-2020</a:t>
+              <a:t>27-09-2020</a:t>
             </a:fld>
             <a:endParaRPr lang="en-IN"/>
           </a:p>
@@ -17165,7 +18297,7 @@
           <a:p>
             <a:fld id="{70C018FE-C8D6-4A9C-A702-41F1E0C1C452}" type="datetimeFigureOut">
               <a:rPr lang="en-IN" smtClean="0"/>
-              <a:t>20-09-2020</a:t>
+              <a:t>27-09-2020</a:t>
             </a:fld>
             <a:endParaRPr lang="en-IN"/>
           </a:p>
@@ -17260,7 +18392,7 @@
           <a:p>
             <a:fld id="{70C018FE-C8D6-4A9C-A702-41F1E0C1C452}" type="datetimeFigureOut">
               <a:rPr lang="en-IN" smtClean="0"/>
-              <a:t>20-09-2020</a:t>
+              <a:t>27-09-2020</a:t>
             </a:fld>
             <a:endParaRPr lang="en-IN"/>
           </a:p>
@@ -17536,7 +18668,7 @@
           <a:p>
             <a:fld id="{70C018FE-C8D6-4A9C-A702-41F1E0C1C452}" type="datetimeFigureOut">
               <a:rPr lang="en-IN" smtClean="0"/>
-              <a:t>20-09-2020</a:t>
+              <a:t>27-09-2020</a:t>
             </a:fld>
             <a:endParaRPr lang="en-IN"/>
           </a:p>
@@ -17793,7 +18925,7 @@
           <a:p>
             <a:fld id="{70C018FE-C8D6-4A9C-A702-41F1E0C1C452}" type="datetimeFigureOut">
               <a:rPr lang="en-IN" smtClean="0"/>
-              <a:t>20-09-2020</a:t>
+              <a:t>27-09-2020</a:t>
             </a:fld>
             <a:endParaRPr lang="en-IN"/>
           </a:p>
@@ -18004,7 +19136,7 @@
           <a:p>
             <a:fld id="{70C018FE-C8D6-4A9C-A702-41F1E0C1C452}" type="datetimeFigureOut">
               <a:rPr lang="en-IN" smtClean="0"/>
-              <a:t>20-09-2020</a:t>
+              <a:t>27-09-2020</a:t>
             </a:fld>
             <a:endParaRPr lang="en-IN" dirty="0"/>
           </a:p>
@@ -18931,7 +20063,7 @@
             </a:pPr>
             <a:r>
               <a:rPr lang="en-US" sz="1800" dirty="0"/>
-              <a:t>A left join was performed for creating the master frame, as rounds has more companies than the companies dataset. The permalink and </a:t>
+              <a:t>An outer join was performed for creating the master frame, as rounds has more companies than the companies dataset and we want to keep all the companies. The permalink and </a:t>
             </a:r>
             <a:r>
               <a:rPr lang="en-US" sz="1800" dirty="0" err="1"/>
@@ -18949,7 +20081,7 @@
             </a:pPr>
             <a:r>
               <a:rPr lang="en-US" sz="1800" dirty="0"/>
-              <a:t>The raised amount column has 19,984 ‘</a:t>
+              <a:t>The raised amount column has 19,995 ‘</a:t>
             </a:r>
             <a:r>
               <a:rPr lang="en-US" sz="1800" dirty="0" err="1"/>
@@ -18999,7 +20131,7 @@
             </a:r>
             <a:r>
               <a:rPr lang="en-US" sz="1800" dirty="0"/>
-              <a:t> where 1045 values in </a:t>
+              <a:t> where 634 values in </a:t>
             </a:r>
             <a:r>
               <a:rPr lang="en-US" sz="1800" dirty="0" err="1"/>
@@ -19007,13 +20139,8 @@
             </a:r>
             <a:r>
               <a:rPr lang="en-US" sz="1800" dirty="0"/>
-              <a:t> </a:t>
+              <a:t> were missing.</a:t>
             </a:r>
-            <a:r>
-              <a:rPr lang="en-US" sz="1800"/>
-              <a:t>were missing.</a:t>
-            </a:r>
-            <a:endParaRPr lang="en-US" sz="1800" dirty="0"/>
           </a:p>
         </p:txBody>
       </p:sp>
@@ -20811,14 +21938,14 @@
             <p:ph idx="1"/>
             <p:extLst>
               <p:ext uri="{D42A27DB-BD31-4B8C-83A1-F6EECF244321}">
-                <p14:modId xmlns:p14="http://schemas.microsoft.com/office/powerpoint/2010/main" val="2287334737"/>
+                <p14:modId xmlns:p14="http://schemas.microsoft.com/office/powerpoint/2010/main" val="263558700"/>
               </p:ext>
             </p:extLst>
           </p:nvPr>
         </p:nvGraphicFramePr>
         <p:xfrm>
           <a:off x="404949" y="1854927"/>
-          <a:ext cx="11168742" cy="2918410"/>
+          <a:ext cx="11430736" cy="3206470"/>
         </p:xfrm>
         <a:graphic>
           <a:graphicData uri="http://schemas.openxmlformats.org/drawingml/2006/diagram">
@@ -20853,6 +21980,147 @@
             <a:r>
               <a:rPr lang="en-IN" sz="2800" dirty="0"/>
               <a:t>Conclusions</a:t>
+            </a:r>
+          </a:p>
+        </p:txBody>
+      </p:sp>
+      <p:sp>
+        <p:nvSpPr>
+          <p:cNvPr id="3" name="Rectangle: Rounded Corners 2">
+            <a:extLst>
+              <a:ext uri="{FF2B5EF4-FFF2-40B4-BE49-F238E27FC236}">
+                <a16:creationId xmlns:a16="http://schemas.microsoft.com/office/drawing/2014/main" id="{E24D13A6-037C-4C36-A5EC-E05EEF3C1B76}"/>
+              </a:ext>
+            </a:extLst>
+          </p:cNvPr>
+          <p:cNvSpPr/>
+          <p:nvPr/>
+        </p:nvSpPr>
+        <p:spPr>
+          <a:xfrm>
+            <a:off x="8814531" y="2376148"/>
+            <a:ext cx="1423115" cy="399245"/>
+          </a:xfrm>
+          <a:prstGeom prst="roundRect">
+            <a:avLst/>
+          </a:prstGeom>
+        </p:spPr>
+        <p:style>
+          <a:lnRef idx="0">
+            <a:schemeClr val="accent6"/>
+          </a:lnRef>
+          <a:fillRef idx="3">
+            <a:schemeClr val="accent6"/>
+          </a:fillRef>
+          <a:effectRef idx="3">
+            <a:schemeClr val="accent6"/>
+          </a:effectRef>
+          <a:fontRef idx="minor">
+            <a:schemeClr val="lt1"/>
+          </a:fontRef>
+        </p:style>
+        <p:txBody>
+          <a:bodyPr rtlCol="0" anchor="ctr"/>
+          <a:lstStyle/>
+          <a:p>
+            <a:pPr algn="ctr"/>
+            <a:r>
+              <a:rPr lang="en-US" dirty="0"/>
+              <a:t>Companies</a:t>
+            </a:r>
+          </a:p>
+        </p:txBody>
+      </p:sp>
+      <p:sp>
+        <p:nvSpPr>
+          <p:cNvPr id="6" name="Rectangle: Rounded Corners 5">
+            <a:extLst>
+              <a:ext uri="{FF2B5EF4-FFF2-40B4-BE49-F238E27FC236}">
+                <a16:creationId xmlns:a16="http://schemas.microsoft.com/office/drawing/2014/main" id="{8E440DF6-D4CA-403D-83C1-9A2F14196059}"/>
+              </a:ext>
+            </a:extLst>
+          </p:cNvPr>
+          <p:cNvSpPr/>
+          <p:nvPr/>
+        </p:nvSpPr>
+        <p:spPr>
+          <a:xfrm>
+            <a:off x="5793377" y="2376149"/>
+            <a:ext cx="1423115" cy="399245"/>
+          </a:xfrm>
+          <a:prstGeom prst="roundRect">
+            <a:avLst/>
+          </a:prstGeom>
+        </p:spPr>
+        <p:style>
+          <a:lnRef idx="0">
+            <a:schemeClr val="accent6"/>
+          </a:lnRef>
+          <a:fillRef idx="3">
+            <a:schemeClr val="accent6"/>
+          </a:fillRef>
+          <a:effectRef idx="3">
+            <a:schemeClr val="accent6"/>
+          </a:effectRef>
+          <a:fontRef idx="minor">
+            <a:schemeClr val="lt1"/>
+          </a:fontRef>
+        </p:style>
+        <p:txBody>
+          <a:bodyPr rtlCol="0" anchor="ctr"/>
+          <a:lstStyle/>
+          <a:p>
+            <a:pPr algn="ctr"/>
+            <a:r>
+              <a:rPr lang="en-US" dirty="0"/>
+              <a:t>Sectors</a:t>
+            </a:r>
+          </a:p>
+        </p:txBody>
+      </p:sp>
+      <p:sp>
+        <p:nvSpPr>
+          <p:cNvPr id="7" name="Rectangle: Rounded Corners 6">
+            <a:extLst>
+              <a:ext uri="{FF2B5EF4-FFF2-40B4-BE49-F238E27FC236}">
+                <a16:creationId xmlns:a16="http://schemas.microsoft.com/office/drawing/2014/main" id="{3B18899D-2162-42C8-A2A1-0769073BEB0E}"/>
+              </a:ext>
+            </a:extLst>
+          </p:cNvPr>
+          <p:cNvSpPr/>
+          <p:nvPr/>
+        </p:nvSpPr>
+        <p:spPr>
+          <a:xfrm>
+            <a:off x="2758228" y="2376151"/>
+            <a:ext cx="1423115" cy="399245"/>
+          </a:xfrm>
+          <a:prstGeom prst="roundRect">
+            <a:avLst/>
+          </a:prstGeom>
+        </p:spPr>
+        <p:style>
+          <a:lnRef idx="0">
+            <a:schemeClr val="accent6"/>
+          </a:lnRef>
+          <a:fillRef idx="3">
+            <a:schemeClr val="accent6"/>
+          </a:fillRef>
+          <a:effectRef idx="3">
+            <a:schemeClr val="accent6"/>
+          </a:effectRef>
+          <a:fontRef idx="minor">
+            <a:schemeClr val="lt1"/>
+          </a:fontRef>
+        </p:style>
+        <p:txBody>
+          <a:bodyPr rtlCol="0" anchor="ctr"/>
+          <a:lstStyle/>
+          <a:p>
+            <a:pPr algn="ctr"/>
+            <a:r>
+              <a:rPr lang="en-US" dirty="0"/>
+              <a:t>Countries</a:t>
             </a:r>
           </a:p>
         </p:txBody>
